--- a/presentation-slides/slides.pptx
+++ b/presentation-slides/slides.pptx
@@ -6,31 +6,37 @@
   </p:sldMasterIdLst>
   <p:sldIdLst>
     <p:sldId id="256" r:id="rId2"/>
-    <p:sldId id="257" r:id="rId3"/>
-    <p:sldId id="262" r:id="rId4"/>
-    <p:sldId id="261" r:id="rId5"/>
-    <p:sldId id="258" r:id="rId6"/>
-    <p:sldId id="266" r:id="rId7"/>
-    <p:sldId id="260" r:id="rId8"/>
-    <p:sldId id="274" r:id="rId9"/>
-    <p:sldId id="281" r:id="rId10"/>
-    <p:sldId id="276" r:id="rId11"/>
-    <p:sldId id="277" r:id="rId12"/>
-    <p:sldId id="259" r:id="rId13"/>
-    <p:sldId id="264" r:id="rId14"/>
-    <p:sldId id="267" r:id="rId15"/>
-    <p:sldId id="285" r:id="rId16"/>
-    <p:sldId id="280" r:id="rId17"/>
-    <p:sldId id="286" r:id="rId18"/>
-    <p:sldId id="270" r:id="rId19"/>
-    <p:sldId id="287" r:id="rId20"/>
-    <p:sldId id="288" r:id="rId21"/>
-    <p:sldId id="289" r:id="rId22"/>
-    <p:sldId id="290" r:id="rId23"/>
-    <p:sldId id="283" r:id="rId24"/>
-    <p:sldId id="278" r:id="rId25"/>
+    <p:sldId id="261" r:id="rId3"/>
+    <p:sldId id="292" r:id="rId4"/>
+    <p:sldId id="257" r:id="rId5"/>
+    <p:sldId id="262" r:id="rId6"/>
+    <p:sldId id="258" r:id="rId7"/>
+    <p:sldId id="266" r:id="rId8"/>
+    <p:sldId id="260" r:id="rId9"/>
+    <p:sldId id="274" r:id="rId10"/>
+    <p:sldId id="281" r:id="rId11"/>
+    <p:sldId id="276" r:id="rId12"/>
+    <p:sldId id="277" r:id="rId13"/>
+    <p:sldId id="259" r:id="rId14"/>
+    <p:sldId id="264" r:id="rId15"/>
+    <p:sldId id="267" r:id="rId16"/>
+    <p:sldId id="285" r:id="rId17"/>
+    <p:sldId id="280" r:id="rId18"/>
+    <p:sldId id="286" r:id="rId19"/>
+    <p:sldId id="270" r:id="rId20"/>
+    <p:sldId id="287" r:id="rId21"/>
+    <p:sldId id="288" r:id="rId22"/>
+    <p:sldId id="289" r:id="rId23"/>
+    <p:sldId id="290" r:id="rId24"/>
+    <p:sldId id="283" r:id="rId25"/>
     <p:sldId id="284" r:id="rId26"/>
-    <p:sldId id="291" r:id="rId27"/>
+    <p:sldId id="293" r:id="rId27"/>
+    <p:sldId id="294" r:id="rId28"/>
+    <p:sldId id="297" r:id="rId29"/>
+    <p:sldId id="296" r:id="rId30"/>
+    <p:sldId id="298" r:id="rId31"/>
+    <p:sldId id="295" r:id="rId32"/>
+    <p:sldId id="291" r:id="rId33"/>
   </p:sldIdLst>
   <p:sldSz cx="12192000" cy="6858000"/>
   <p:notesSz cx="6858000" cy="9144000"/>
@@ -3513,9 +3519,36 @@
           <a:chExt cx="0" cy="0"/>
         </a:xfrm>
       </p:grpSpPr>
+      <p:sp>
+        <p:nvSpPr>
+          <p:cNvPr id="2" name="Title 1"/>
+          <p:cNvSpPr>
+            <a:spLocks noGrp="1"/>
+          </p:cNvSpPr>
+          <p:nvPr>
+            <p:ph type="title"/>
+          </p:nvPr>
+        </p:nvSpPr>
+        <p:spPr>
+          <a:xfrm>
+            <a:off x="609600" y="190500"/>
+            <a:ext cx="10972800" cy="986155"/>
+          </a:xfrm>
+        </p:spPr>
+        <p:txBody>
+          <a:bodyPr/>
+          <a:lstStyle/>
+          <a:p>
+            <a:r>
+              <a:rPr lang="en-US" sz="4000" dirty="0"/>
+              <a:t>Peer (logs: Connecting to other peers)</a:t>
+            </a:r>
+          </a:p>
+        </p:txBody>
+      </p:sp>
       <p:pic>
         <p:nvPicPr>
-          <p:cNvPr id="4" name="Content Placeholder 3" descr="com_3"/>
+          <p:cNvPr id="6" name="Content Placeholder 5" descr="WhatsApp Image 2022-03-16 at 12.11.41 PM"/>
           <p:cNvPicPr>
             <a:picLocks noGrp="1" noChangeAspect="1"/>
           </p:cNvPicPr>
@@ -3531,47 +3564,14 @@
         </p:blipFill>
         <p:spPr>
           <a:xfrm>
-            <a:off x="221612" y="1338287"/>
-            <a:ext cx="11396201" cy="5377180"/>
+            <a:off x="838835" y="1691640"/>
+            <a:ext cx="9401810" cy="4173855"/>
           </a:xfrm>
           <a:prstGeom prst="rect">
             <a:avLst/>
           </a:prstGeom>
         </p:spPr>
       </p:pic>
-      <p:sp>
-        <p:nvSpPr>
-          <p:cNvPr id="3" name="Title 1">
-            <a:extLst>
-              <a:ext uri="{FF2B5EF4-FFF2-40B4-BE49-F238E27FC236}">
-                <a16:creationId xmlns:a16="http://schemas.microsoft.com/office/drawing/2014/main" id="{DA4F82FC-7C3E-4C22-963C-12783F649B1E}"/>
-              </a:ext>
-            </a:extLst>
-          </p:cNvPr>
-          <p:cNvSpPr>
-            <a:spLocks noGrp="1"/>
-          </p:cNvSpPr>
-          <p:nvPr>
-            <p:ph type="title"/>
-          </p:nvPr>
-        </p:nvSpPr>
-        <p:spPr>
-          <a:xfrm>
-            <a:off x="221612" y="142533"/>
-            <a:ext cx="10972800" cy="986155"/>
-          </a:xfrm>
-        </p:spPr>
-        <p:txBody>
-          <a:bodyPr/>
-          <a:lstStyle/>
-          <a:p>
-            <a:r>
-              <a:rPr lang="en-US" sz="4000" dirty="0"/>
-              <a:t>Peer (logs: data exchange)</a:t>
-            </a:r>
-          </a:p>
-        </p:txBody>
-      </p:sp>
     </p:spTree>
   </p:cSld>
   <p:clrMapOvr>
@@ -3599,7 +3599,7 @@
       </p:grpSpPr>
       <p:pic>
         <p:nvPicPr>
-          <p:cNvPr id="4" name="Content Placeholder 3" descr="com_4"/>
+          <p:cNvPr id="4" name="Content Placeholder 3" descr="com_3"/>
           <p:cNvPicPr>
             <a:picLocks noGrp="1" noChangeAspect="1"/>
           </p:cNvPicPr>
@@ -3615,8 +3615,8 @@
         </p:blipFill>
         <p:spPr>
           <a:xfrm>
-            <a:off x="317704" y="1128688"/>
-            <a:ext cx="10153934" cy="5545698"/>
+            <a:off x="221612" y="1338287"/>
+            <a:ext cx="11396201" cy="5377180"/>
           </a:xfrm>
           <a:prstGeom prst="rect">
             <a:avLst/>
@@ -3628,7 +3628,7 @@
           <p:cNvPr id="3" name="Title 1">
             <a:extLst>
               <a:ext uri="{FF2B5EF4-FFF2-40B4-BE49-F238E27FC236}">
-                <a16:creationId xmlns:a16="http://schemas.microsoft.com/office/drawing/2014/main" id="{D71F3A26-A154-40CB-8960-C823B60FE064}"/>
+                <a16:creationId xmlns:a16="http://schemas.microsoft.com/office/drawing/2014/main" id="{DA4F82FC-7C3E-4C22-963C-12783F649B1E}"/>
               </a:ext>
             </a:extLst>
           </p:cNvPr>
@@ -3681,9 +3681,41 @@
           <a:chExt cx="0" cy="0"/>
         </a:xfrm>
       </p:grpSpPr>
-      <p:sp>
-        <p:nvSpPr>
-          <p:cNvPr id="2" name="Title 1"/>
+      <p:pic>
+        <p:nvPicPr>
+          <p:cNvPr id="4" name="Content Placeholder 3" descr="com_4"/>
+          <p:cNvPicPr>
+            <a:picLocks noGrp="1" noChangeAspect="1"/>
+          </p:cNvPicPr>
+          <p:nvPr>
+            <p:ph idx="1"/>
+          </p:nvPr>
+        </p:nvPicPr>
+        <p:blipFill>
+          <a:blip r:embed="rId2"/>
+          <a:stretch>
+            <a:fillRect/>
+          </a:stretch>
+        </p:blipFill>
+        <p:spPr>
+          <a:xfrm>
+            <a:off x="317704" y="1128688"/>
+            <a:ext cx="10153934" cy="5545698"/>
+          </a:xfrm>
+          <a:prstGeom prst="rect">
+            <a:avLst/>
+          </a:prstGeom>
+        </p:spPr>
+      </p:pic>
+      <p:sp>
+        <p:nvSpPr>
+          <p:cNvPr id="3" name="Title 1">
+            <a:extLst>
+              <a:ext uri="{FF2B5EF4-FFF2-40B4-BE49-F238E27FC236}">
+                <a16:creationId xmlns:a16="http://schemas.microsoft.com/office/drawing/2014/main" id="{D71F3A26-A154-40CB-8960-C823B60FE064}"/>
+              </a:ext>
+            </a:extLst>
+          </p:cNvPr>
           <p:cNvSpPr>
             <a:spLocks noGrp="1"/>
           </p:cNvSpPr>
@@ -3693,8 +3725,8 @@
         </p:nvSpPr>
         <p:spPr>
           <a:xfrm>
-            <a:off x="609600" y="190500"/>
-            <a:ext cx="10972800" cy="1032510"/>
+            <a:off x="221612" y="142533"/>
+            <a:ext cx="10972800" cy="986155"/>
           </a:xfrm>
         </p:spPr>
         <p:txBody>
@@ -3702,97 +3734,8 @@
           <a:lstStyle/>
           <a:p>
             <a:r>
-              <a:rPr lang="en-US" sz="4400" b="1"/>
-              <a:t>GUI:</a:t>
-            </a:r>
-          </a:p>
-        </p:txBody>
-      </p:sp>
-      <p:sp>
-        <p:nvSpPr>
-          <p:cNvPr id="3" name="Content Placeholder 2"/>
-          <p:cNvSpPr>
-            <a:spLocks noGrp="1"/>
-          </p:cNvSpPr>
-          <p:nvPr>
-            <p:ph idx="1"/>
-          </p:nvPr>
-        </p:nvSpPr>
-        <p:spPr>
-          <a:xfrm>
-            <a:off x="512884" y="1266972"/>
-            <a:ext cx="10972800" cy="4953000"/>
-          </a:xfrm>
-        </p:spPr>
-        <p:txBody>
-          <a:bodyPr/>
-          <a:lstStyle/>
-          <a:p>
-            <a:pPr marL="0" indent="0">
-              <a:buFont typeface="Wingdings" panose="05000000000000000000" charset="0"/>
-              <a:buNone/>
-            </a:pPr>
-            <a:r>
               <a:rPr lang="en-US" sz="4000" dirty="0"/>
-              <a:t> Interface for running and managing a peer</a:t>
-            </a:r>
-          </a:p>
-          <a:p>
-            <a:pPr>
-              <a:buFont typeface="Wingdings" panose="05000000000000000000" charset="0"/>
-              <a:buChar char="Ø"/>
-            </a:pPr>
-            <a:r>
-              <a:rPr lang="en-US" sz="4000" dirty="0"/>
-              <a:t>Can create new/load existing wallet</a:t>
-            </a:r>
-          </a:p>
-          <a:p>
-            <a:pPr>
-              <a:buFont typeface="Wingdings" panose="05000000000000000000" charset="0"/>
-              <a:buChar char="Ø"/>
-            </a:pPr>
-            <a:r>
-              <a:rPr lang="en-US" sz="4000" dirty="0"/>
-              <a:t>Initiate spinning up a peer node/connect to tracker</a:t>
-            </a:r>
-          </a:p>
-          <a:p>
-            <a:pPr>
-              <a:buFont typeface="Wingdings" panose="05000000000000000000" charset="0"/>
-              <a:buChar char="Ø"/>
-            </a:pPr>
-            <a:r>
-              <a:rPr lang="en-US" sz="4000" dirty="0"/>
-              <a:t> load </a:t>
-            </a:r>
-            <a:r>
-              <a:rPr lang="en-US" sz="4000" dirty="0" err="1"/>
-              <a:t>cheesechain</a:t>
-            </a:r>
-            <a:r>
-              <a:rPr lang="en-US" sz="4000" dirty="0"/>
-              <a:t> and open transactions</a:t>
-            </a:r>
-          </a:p>
-          <a:p>
-            <a:pPr>
-              <a:buFont typeface="Wingdings" panose="05000000000000000000" charset="0"/>
-              <a:buChar char="Ø"/>
-            </a:pPr>
-            <a:r>
-              <a:rPr lang="en-US" sz="4000" dirty="0"/>
-              <a:t> create transaction</a:t>
-            </a:r>
-          </a:p>
-          <a:p>
-            <a:pPr>
-              <a:buFont typeface="Wingdings" panose="05000000000000000000" charset="0"/>
-              <a:buChar char="Ø"/>
-            </a:pPr>
-            <a:r>
-              <a:rPr lang="en-US" sz="4000" dirty="0"/>
-              <a:t> trigger a mining process</a:t>
+              <a:t>Peer (logs: data exchange)</a:t>
             </a:r>
           </a:p>
         </p:txBody>
@@ -3834,8 +3777,8 @@
         </p:nvSpPr>
         <p:spPr>
           <a:xfrm>
-            <a:off x="609600" y="428625"/>
-            <a:ext cx="10972800" cy="824865"/>
+            <a:off x="609600" y="190500"/>
+            <a:ext cx="10972800" cy="1032510"/>
           </a:xfrm>
         </p:spPr>
         <p:txBody>
@@ -3843,41 +3786,101 @@
           <a:lstStyle/>
           <a:p>
             <a:r>
-              <a:rPr lang="en-US" sz="4400" dirty="0"/>
-              <a:t>GUI (user journey):</a:t>
-            </a:r>
-          </a:p>
-        </p:txBody>
-      </p:sp>
-      <p:pic>
-        <p:nvPicPr>
-          <p:cNvPr id="13" name="Content Placeholder 12">
-            <a:extLst>
-              <a:ext uri="{FF2B5EF4-FFF2-40B4-BE49-F238E27FC236}">
-                <a16:creationId xmlns:a16="http://schemas.microsoft.com/office/drawing/2014/main" id="{0A182C7A-1B4F-45F7-AC1C-7E08922B2EAC}"/>
-              </a:ext>
-            </a:extLst>
-          </p:cNvPr>
-          <p:cNvPicPr>
-            <a:picLocks noGrp="1" noChangeAspect="1"/>
-          </p:cNvPicPr>
+              <a:rPr lang="en-US" sz="4400" b="1"/>
+              <a:t>GUI:</a:t>
+            </a:r>
+          </a:p>
+        </p:txBody>
+      </p:sp>
+      <p:sp>
+        <p:nvSpPr>
+          <p:cNvPr id="3" name="Content Placeholder 2"/>
+          <p:cNvSpPr>
+            <a:spLocks noGrp="1"/>
+          </p:cNvSpPr>
           <p:nvPr>
             <p:ph idx="1"/>
           </p:nvPr>
-        </p:nvPicPr>
-        <p:blipFill>
-          <a:blip r:embed="rId2"/>
-          <a:stretch>
-            <a:fillRect/>
-          </a:stretch>
-        </p:blipFill>
-        <p:spPr>
-          <a:xfrm>
-            <a:off x="973471" y="1454980"/>
-            <a:ext cx="9893364" cy="4953000"/>
-          </a:xfrm>
-        </p:spPr>
-      </p:pic>
+        </p:nvSpPr>
+        <p:spPr>
+          <a:xfrm>
+            <a:off x="512884" y="1266972"/>
+            <a:ext cx="10972800" cy="4953000"/>
+          </a:xfrm>
+        </p:spPr>
+        <p:txBody>
+          <a:bodyPr/>
+          <a:lstStyle/>
+          <a:p>
+            <a:pPr marL="0" indent="0">
+              <a:buFont typeface="Wingdings" panose="05000000000000000000" charset="0"/>
+              <a:buNone/>
+            </a:pPr>
+            <a:r>
+              <a:rPr lang="en-US" sz="4000" dirty="0"/>
+              <a:t> Interface for running and managing a peer</a:t>
+            </a:r>
+          </a:p>
+          <a:p>
+            <a:pPr>
+              <a:buFont typeface="Wingdings" panose="05000000000000000000" charset="0"/>
+              <a:buChar char="Ø"/>
+            </a:pPr>
+            <a:r>
+              <a:rPr lang="en-US" sz="4000" dirty="0"/>
+              <a:t>Can create new/load existing wallet</a:t>
+            </a:r>
+          </a:p>
+          <a:p>
+            <a:pPr>
+              <a:buFont typeface="Wingdings" panose="05000000000000000000" charset="0"/>
+              <a:buChar char="Ø"/>
+            </a:pPr>
+            <a:r>
+              <a:rPr lang="en-US" sz="4000" dirty="0"/>
+              <a:t>Initiate spinning up a peer node/connect to tracker</a:t>
+            </a:r>
+          </a:p>
+          <a:p>
+            <a:pPr>
+              <a:buFont typeface="Wingdings" panose="05000000000000000000" charset="0"/>
+              <a:buChar char="Ø"/>
+            </a:pPr>
+            <a:r>
+              <a:rPr lang="en-US" sz="4000" dirty="0"/>
+              <a:t> load </a:t>
+            </a:r>
+            <a:r>
+              <a:rPr lang="en-US" sz="4000" dirty="0" err="1"/>
+              <a:t>cheesechain</a:t>
+            </a:r>
+            <a:r>
+              <a:rPr lang="en-US" sz="4000" dirty="0"/>
+              <a:t> and open transactions</a:t>
+            </a:r>
+          </a:p>
+          <a:p>
+            <a:pPr>
+              <a:buFont typeface="Wingdings" panose="05000000000000000000" charset="0"/>
+              <a:buChar char="Ø"/>
+            </a:pPr>
+            <a:r>
+              <a:rPr lang="en-US" sz="4000" dirty="0"/>
+              <a:t> create transaction</a:t>
+            </a:r>
+          </a:p>
+          <a:p>
+            <a:pPr>
+              <a:buFont typeface="Wingdings" panose="05000000000000000000" charset="0"/>
+              <a:buChar char="Ø"/>
+            </a:pPr>
+            <a:r>
+              <a:rPr lang="en-US" sz="4000" dirty="0"/>
+              <a:t> trigger a mining process</a:t>
+            </a:r>
+          </a:p>
+        </p:txBody>
+      </p:sp>
     </p:spTree>
   </p:cSld>
   <p:clrMapOvr>
@@ -3915,35 +3918,27 @@
         </p:nvSpPr>
         <p:spPr>
           <a:xfrm>
-            <a:off x="609600" y="675640"/>
-            <a:ext cx="10972800" cy="1000125"/>
-          </a:xfrm>
-        </p:spPr>
-        <p:txBody>
-          <a:bodyPr>
-            <a:normAutofit fontScale="90000"/>
-          </a:bodyPr>
-          <a:lstStyle/>
-          <a:p>
-            <a:r>
-              <a:rPr lang="en-US" sz="4890">
-                <a:sym typeface="+mn-ea"/>
-              </a:rPr>
-              <a:t>New Wallet Created:</a:t>
-            </a:r>
-            <a:br>
-              <a:rPr lang="en-US"/>
-            </a:br>
-            <a:endParaRPr lang="en-US"/>
+            <a:off x="609600" y="428625"/>
+            <a:ext cx="10972800" cy="824865"/>
+          </a:xfrm>
+        </p:spPr>
+        <p:txBody>
+          <a:bodyPr/>
+          <a:lstStyle/>
+          <a:p>
+            <a:r>
+              <a:rPr lang="en-US" sz="4400" dirty="0"/>
+              <a:t>GUI (user journey):</a:t>
+            </a:r>
           </a:p>
         </p:txBody>
       </p:sp>
       <p:pic>
         <p:nvPicPr>
-          <p:cNvPr id="9" name="Content Placeholder 8">
+          <p:cNvPr id="13" name="Content Placeholder 12">
             <a:extLst>
               <a:ext uri="{FF2B5EF4-FFF2-40B4-BE49-F238E27FC236}">
-                <a16:creationId xmlns:a16="http://schemas.microsoft.com/office/drawing/2014/main" id="{CE9B8F50-A1D5-4CD5-8C8A-49E65699FFFF}"/>
+                <a16:creationId xmlns:a16="http://schemas.microsoft.com/office/drawing/2014/main" id="{0A182C7A-1B4F-45F7-AC1C-7E08922B2EAC}"/>
               </a:ext>
             </a:extLst>
           </p:cNvPr>
@@ -3962,8 +3957,8 @@
         </p:blipFill>
         <p:spPr>
           <a:xfrm>
-            <a:off x="1249266" y="1517650"/>
-            <a:ext cx="8796652" cy="4953000"/>
+            <a:off x="973471" y="1454980"/>
+            <a:ext cx="9893364" cy="4953000"/>
           </a:xfrm>
         </p:spPr>
       </p:pic>
@@ -4015,24 +4010,24 @@
           <a:lstStyle/>
           <a:p>
             <a:r>
-              <a:rPr lang="en-US" sz="4890" dirty="0">
+              <a:rPr lang="en-US" sz="4890">
                 <a:sym typeface="+mn-ea"/>
               </a:rPr>
-              <a:t>Raclette Cheese:</a:t>
+              <a:t>New Wallet Created:</a:t>
             </a:r>
             <a:br>
-              <a:rPr lang="en-US" dirty="0"/>
+              <a:rPr lang="en-US"/>
             </a:br>
-            <a:endParaRPr lang="en-US" dirty="0"/>
+            <a:endParaRPr lang="en-US"/>
           </a:p>
         </p:txBody>
       </p:sp>
       <p:pic>
         <p:nvPicPr>
-          <p:cNvPr id="6" name="Content Placeholder 5">
+          <p:cNvPr id="9" name="Content Placeholder 8">
             <a:extLst>
               <a:ext uri="{FF2B5EF4-FFF2-40B4-BE49-F238E27FC236}">
-                <a16:creationId xmlns:a16="http://schemas.microsoft.com/office/drawing/2014/main" id="{64E9FDF3-3C11-4527-AFC8-0E98784627E2}"/>
+                <a16:creationId xmlns:a16="http://schemas.microsoft.com/office/drawing/2014/main" id="{CE9B8F50-A1D5-4CD5-8C8A-49E65699FFFF}"/>
               </a:ext>
             </a:extLst>
           </p:cNvPr>
@@ -4051,17 +4046,12 @@
         </p:blipFill>
         <p:spPr>
           <a:xfrm>
-            <a:off x="1824681" y="1491273"/>
-            <a:ext cx="7698576" cy="4953000"/>
+            <a:off x="1249266" y="1517650"/>
+            <a:ext cx="8796652" cy="4953000"/>
           </a:xfrm>
         </p:spPr>
       </p:pic>
     </p:spTree>
-    <p:extLst>
-      <p:ext uri="{BB962C8B-B14F-4D97-AF65-F5344CB8AC3E}">
-        <p14:creationId xmlns:p14="http://schemas.microsoft.com/office/powerpoint/2010/main" val="68276589"/>
-      </p:ext>
-    </p:extLst>
   </p:cSld>
   <p:clrMapOvr>
     <a:masterClrMapping/>
@@ -4098,55 +4088,35 @@
         </p:nvSpPr>
         <p:spPr>
           <a:xfrm>
-            <a:off x="609600" y="603250"/>
-            <a:ext cx="10972800" cy="582613"/>
-          </a:xfrm>
-        </p:spPr>
-        <p:txBody>
-          <a:bodyPr/>
-          <a:lstStyle/>
-          <a:p>
-            <a:r>
-              <a:rPr lang="en-US" sz="4400" dirty="0">
+            <a:off x="609600" y="675640"/>
+            <a:ext cx="10972800" cy="1000125"/>
+          </a:xfrm>
+        </p:spPr>
+        <p:txBody>
+          <a:bodyPr>
+            <a:normAutofit fontScale="90000"/>
+          </a:bodyPr>
+          <a:lstStyle/>
+          <a:p>
+            <a:r>
+              <a:rPr lang="en-US" sz="4890" dirty="0">
                 <a:sym typeface="+mn-ea"/>
               </a:rPr>
-              <a:t>Peer-1 Mines:</a:t>
-            </a:r>
-          </a:p>
-        </p:txBody>
-      </p:sp>
-      <p:sp>
-        <p:nvSpPr>
-          <p:cNvPr id="4" name="Text Box 3"/>
-          <p:cNvSpPr txBox="1"/>
-          <p:nvPr/>
-        </p:nvSpPr>
-        <p:spPr>
-          <a:xfrm>
-            <a:off x="3628390" y="936625"/>
-            <a:ext cx="309880" cy="368300"/>
-          </a:xfrm>
-          <a:prstGeom prst="rect">
-            <a:avLst/>
-          </a:prstGeom>
-          <a:noFill/>
-        </p:spPr>
-        <p:txBody>
-          <a:bodyPr wrap="none" rtlCol="0">
-            <a:spAutoFit/>
-          </a:bodyPr>
-          <a:lstStyle/>
-          <a:p>
-            <a:endParaRPr lang="en-US"/>
+              <a:t>Raclette Cheese:</a:t>
+            </a:r>
+            <a:br>
+              <a:rPr lang="en-US" dirty="0"/>
+            </a:br>
+            <a:endParaRPr lang="en-US" dirty="0"/>
           </a:p>
         </p:txBody>
       </p:sp>
       <p:pic>
         <p:nvPicPr>
-          <p:cNvPr id="12" name="Content Placeholder 11">
+          <p:cNvPr id="6" name="Content Placeholder 5">
             <a:extLst>
               <a:ext uri="{FF2B5EF4-FFF2-40B4-BE49-F238E27FC236}">
-                <a16:creationId xmlns:a16="http://schemas.microsoft.com/office/drawing/2014/main" id="{FDA8189D-D063-4BA7-B909-94D1407EDC58}"/>
+                <a16:creationId xmlns:a16="http://schemas.microsoft.com/office/drawing/2014/main" id="{64E9FDF3-3C11-4527-AFC8-0E98784627E2}"/>
               </a:ext>
             </a:extLst>
           </p:cNvPr>
@@ -4165,12 +4135,17 @@
         </p:blipFill>
         <p:spPr>
           <a:xfrm>
-            <a:off x="1773116" y="1394557"/>
-            <a:ext cx="7924800" cy="4953000"/>
+            <a:off x="1824681" y="1491273"/>
+            <a:ext cx="7698576" cy="4953000"/>
           </a:xfrm>
         </p:spPr>
       </p:pic>
     </p:spTree>
+    <p:extLst>
+      <p:ext uri="{BB962C8B-B14F-4D97-AF65-F5344CB8AC3E}">
+        <p14:creationId xmlns:p14="http://schemas.microsoft.com/office/powerpoint/2010/main" val="68276589"/>
+      </p:ext>
+    </p:extLst>
   </p:cSld>
   <p:clrMapOvr>
     <a:masterClrMapping/>
@@ -4219,7 +4194,7 @@
               <a:rPr lang="en-US" sz="4400" dirty="0">
                 <a:sym typeface="+mn-ea"/>
               </a:rPr>
-              <a:t>Peer-2 Receives:</a:t>
+              <a:t>Peer-1 Mines:</a:t>
             </a:r>
           </a:p>
         </p:txBody>
@@ -4252,10 +4227,10 @@
       </p:sp>
       <p:pic>
         <p:nvPicPr>
-          <p:cNvPr id="7" name="Content Placeholder 6">
+          <p:cNvPr id="12" name="Content Placeholder 11">
             <a:extLst>
               <a:ext uri="{FF2B5EF4-FFF2-40B4-BE49-F238E27FC236}">
-                <a16:creationId xmlns:a16="http://schemas.microsoft.com/office/drawing/2014/main" id="{7C4346EF-EA32-44D2-BE9E-DE104D5F8F96}"/>
+                <a16:creationId xmlns:a16="http://schemas.microsoft.com/office/drawing/2014/main" id="{FDA8189D-D063-4BA7-B909-94D1407EDC58}"/>
               </a:ext>
             </a:extLst>
           </p:cNvPr>
@@ -4267,30 +4242,19 @@
           </p:nvPr>
         </p:nvPicPr>
         <p:blipFill>
-          <a:blip r:embed="rId2">
-            <a:extLst>
-              <a:ext uri="{28A0092B-C50C-407E-A947-70E740481C1C}">
-                <a14:useLocalDpi xmlns:a14="http://schemas.microsoft.com/office/drawing/2010/main" val="0"/>
-              </a:ext>
-            </a:extLst>
-          </a:blip>
+          <a:blip r:embed="rId2"/>
           <a:stretch>
             <a:fillRect/>
           </a:stretch>
         </p:blipFill>
         <p:spPr>
           <a:xfrm>
-            <a:off x="1672855" y="1519238"/>
-            <a:ext cx="8529768" cy="4953000"/>
+            <a:off x="1773116" y="1394557"/>
+            <a:ext cx="7924800" cy="4953000"/>
           </a:xfrm>
         </p:spPr>
       </p:pic>
     </p:spTree>
-    <p:extLst>
-      <p:ext uri="{BB962C8B-B14F-4D97-AF65-F5344CB8AC3E}">
-        <p14:creationId xmlns:p14="http://schemas.microsoft.com/office/powerpoint/2010/main" val="2516119406"/>
-      </p:ext>
-    </p:extLst>
   </p:cSld>
   <p:clrMapOvr>
     <a:masterClrMapping/>
@@ -4327,8 +4291,8 @@
         </p:nvSpPr>
         <p:spPr>
           <a:xfrm>
-            <a:off x="609600" y="682625"/>
-            <a:ext cx="10486292" cy="592260"/>
+            <a:off x="609600" y="603250"/>
+            <a:ext cx="10972800" cy="582613"/>
           </a:xfrm>
         </p:spPr>
         <p:txBody>
@@ -4336,28 +4300,46 @@
           <a:lstStyle/>
           <a:p>
             <a:r>
-              <a:rPr lang="en-US" sz="3000" dirty="0"/>
-              <a:t>Add</a:t>
-            </a:r>
-            <a:r>
-              <a:rPr lang="en-US" sz="3000" dirty="0">
+              <a:rPr lang="en-US" sz="4400" dirty="0">
                 <a:sym typeface="+mn-ea"/>
               </a:rPr>
-              <a:t> </a:t>
-            </a:r>
-            <a:r>
-              <a:rPr lang="en-US" sz="3000" dirty="0"/>
-              <a:t>Transaction (Peer 1 sends Peer 2 some coins):</a:t>
-            </a:r>
+              <a:t>Peer-2 Receives:</a:t>
+            </a:r>
+          </a:p>
+        </p:txBody>
+      </p:sp>
+      <p:sp>
+        <p:nvSpPr>
+          <p:cNvPr id="4" name="Text Box 3"/>
+          <p:cNvSpPr txBox="1"/>
+          <p:nvPr/>
+        </p:nvSpPr>
+        <p:spPr>
+          <a:xfrm>
+            <a:off x="3628390" y="936625"/>
+            <a:ext cx="309880" cy="368300"/>
+          </a:xfrm>
+          <a:prstGeom prst="rect">
+            <a:avLst/>
+          </a:prstGeom>
+          <a:noFill/>
+        </p:spPr>
+        <p:txBody>
+          <a:bodyPr wrap="none" rtlCol="0">
+            <a:spAutoFit/>
+          </a:bodyPr>
+          <a:lstStyle/>
+          <a:p>
+            <a:endParaRPr lang="en-US"/>
           </a:p>
         </p:txBody>
       </p:sp>
       <p:pic>
         <p:nvPicPr>
-          <p:cNvPr id="6" name="Content Placeholder 5">
+          <p:cNvPr id="7" name="Content Placeholder 6">
             <a:extLst>
               <a:ext uri="{FF2B5EF4-FFF2-40B4-BE49-F238E27FC236}">
-                <a16:creationId xmlns:a16="http://schemas.microsoft.com/office/drawing/2014/main" id="{FFD1F836-C26C-45C5-98AC-B8F6E49D5DC2}"/>
+                <a16:creationId xmlns:a16="http://schemas.microsoft.com/office/drawing/2014/main" id="{7C4346EF-EA32-44D2-BE9E-DE104D5F8F96}"/>
               </a:ext>
             </a:extLst>
           </p:cNvPr>
@@ -4369,19 +4351,30 @@
           </p:nvPr>
         </p:nvPicPr>
         <p:blipFill>
-          <a:blip r:embed="rId2"/>
+          <a:blip r:embed="rId2">
+            <a:extLst>
+              <a:ext uri="{28A0092B-C50C-407E-A947-70E740481C1C}">
+                <a14:useLocalDpi xmlns:a14="http://schemas.microsoft.com/office/drawing/2010/main" val="0"/>
+              </a:ext>
+            </a:extLst>
+          </a:blip>
           <a:stretch>
             <a:fillRect/>
           </a:stretch>
         </p:blipFill>
         <p:spPr>
           <a:xfrm>
-            <a:off x="1469998" y="1675912"/>
-            <a:ext cx="8443111" cy="4953000"/>
+            <a:off x="1672855" y="1519238"/>
+            <a:ext cx="8529768" cy="4953000"/>
           </a:xfrm>
         </p:spPr>
       </p:pic>
     </p:spTree>
+    <p:extLst>
+      <p:ext uri="{BB962C8B-B14F-4D97-AF65-F5344CB8AC3E}">
+        <p14:creationId xmlns:p14="http://schemas.microsoft.com/office/powerpoint/2010/main" val="2516119406"/>
+      </p:ext>
+    </p:extLst>
   </p:cSld>
   <p:clrMapOvr>
     <a:masterClrMapping/>
@@ -4428,7 +4421,7 @@
           <a:p>
             <a:r>
               <a:rPr lang="en-US" sz="3000" dirty="0"/>
-              <a:t>Open</a:t>
+              <a:t>Add</a:t>
             </a:r>
             <a:r>
               <a:rPr lang="en-US" sz="3000" dirty="0">
@@ -4438,17 +4431,17 @@
             </a:r>
             <a:r>
               <a:rPr lang="en-US" sz="3000" dirty="0"/>
-              <a:t>Transactions (Transaction Details):</a:t>
+              <a:t>Transaction (Peer 1 sends Peer 2 some coins):</a:t>
             </a:r>
           </a:p>
         </p:txBody>
       </p:sp>
       <p:pic>
         <p:nvPicPr>
-          <p:cNvPr id="7" name="Content Placeholder 6">
+          <p:cNvPr id="6" name="Content Placeholder 5">
             <a:extLst>
               <a:ext uri="{FF2B5EF4-FFF2-40B4-BE49-F238E27FC236}">
-                <a16:creationId xmlns:a16="http://schemas.microsoft.com/office/drawing/2014/main" id="{13642624-9960-4938-9C83-55BD77B58FA8}"/>
+                <a16:creationId xmlns:a16="http://schemas.microsoft.com/office/drawing/2014/main" id="{FFD1F836-C26C-45C5-98AC-B8F6E49D5DC2}"/>
               </a:ext>
             </a:extLst>
           </p:cNvPr>
@@ -4467,17 +4460,12 @@
         </p:blipFill>
         <p:spPr>
           <a:xfrm>
-            <a:off x="1605290" y="1420935"/>
-            <a:ext cx="8084606" cy="4953000"/>
+            <a:off x="1469998" y="1675912"/>
+            <a:ext cx="8443111" cy="4953000"/>
           </a:xfrm>
         </p:spPr>
       </p:pic>
     </p:spTree>
-    <p:extLst>
-      <p:ext uri="{BB962C8B-B14F-4D97-AF65-F5344CB8AC3E}">
-        <p14:creationId xmlns:p14="http://schemas.microsoft.com/office/powerpoint/2010/main" val="2212342419"/>
-      </p:ext>
-    </p:extLst>
   </p:cSld>
   <p:clrMapOvr>
     <a:masterClrMapping/>
@@ -4514,40 +4502,35 @@
         </p:nvSpPr>
         <p:spPr>
           <a:xfrm>
-            <a:off x="609600" y="158750"/>
-            <a:ext cx="10972800" cy="984885"/>
-          </a:xfrm>
-        </p:spPr>
+            <a:off x="468923" y="2856865"/>
+            <a:ext cx="10972800" cy="1144270"/>
+          </a:xfrm>
+        </p:spPr>
+        <p:txBody>
+          <a:bodyPr/>
+          <a:lstStyle/>
+          <a:p>
+            <a:r>
+              <a:rPr lang="en-US" sz="4400" b="1" dirty="0"/>
+              <a:t>Part 1: The Project</a:t>
+            </a:r>
+          </a:p>
+        </p:txBody>
+      </p:sp>
+      <p:sp>
+        <p:nvSpPr>
+          <p:cNvPr id="3" name="Content Placeholder 2"/>
+          <p:cNvSpPr>
+            <a:spLocks noGrp="1"/>
+          </p:cNvSpPr>
+          <p:nvPr>
+            <p:ph idx="1"/>
+          </p:nvPr>
+        </p:nvSpPr>
+        <p:spPr/>
         <p:txBody>
           <a:bodyPr>
-            <a:normAutofit/>
-          </a:bodyPr>
-          <a:lstStyle/>
-          <a:p>
-            <a:r>
-              <a:rPr lang="en-US" sz="4400" b="1">
-                <a:sym typeface="+mn-ea"/>
-              </a:rPr>
-              <a:t>Blockchain:</a:t>
-            </a:r>
-            <a:endParaRPr lang="en-US" sz="4400" b="1"/>
-          </a:p>
-        </p:txBody>
-      </p:sp>
-      <p:sp>
-        <p:nvSpPr>
-          <p:cNvPr id="3" name="Content Placeholder 2"/>
-          <p:cNvSpPr>
-            <a:spLocks noGrp="1"/>
-          </p:cNvSpPr>
-          <p:nvPr>
-            <p:ph idx="1"/>
-          </p:nvPr>
-        </p:nvSpPr>
-        <p:spPr/>
-        <p:txBody>
-          <a:bodyPr>
-            <a:normAutofit fontScale="67500" lnSpcReduction="10000"/>
+            <a:normAutofit fontScale="95000"/>
           </a:bodyPr>
           <a:lstStyle/>
           <a:p>
@@ -4555,38 +4538,38 @@
               <a:buFont typeface="Wingdings" panose="05000000000000000000" charset="0"/>
               <a:buChar char="Ø"/>
             </a:pPr>
-            <a:r>
-              <a:rPr lang="en-US" sz="6600" dirty="0"/>
-              <a:t>Is a digital ledger of transactions maintained by a network of computers in a way that makes it difficult to hack or alter.</a:t>
-            </a:r>
+            <a:endParaRPr lang="en-US" dirty="0">
+              <a:sym typeface="+mn-ea"/>
+            </a:endParaRPr>
           </a:p>
           <a:p>
             <a:pPr>
               <a:buFont typeface="Wingdings" panose="05000000000000000000" charset="0"/>
               <a:buChar char="Ø"/>
             </a:pPr>
-            <a:r>
-              <a:rPr lang="en-US" sz="6600" dirty="0"/>
-              <a:t>The technology offers a secure way for individuals to deal directly with each other.</a:t>
-            </a:r>
+            <a:endParaRPr lang="en-US" sz="6665" dirty="0"/>
           </a:p>
           <a:p>
             <a:pPr>
               <a:buFont typeface="Wingdings" panose="05000000000000000000" charset="0"/>
               <a:buChar char="Ø"/>
             </a:pPr>
-            <a:r>
-              <a:rPr lang="en-US" sz="6600" dirty="0"/>
-              <a:t>The growing list of records, called blocks</a:t>
-            </a:r>
-          </a:p>
-          <a:p>
-            <a:endParaRPr lang="en-US" sz="6600" dirty="0"/>
-          </a:p>
-          <a:p>
             <a:endParaRPr lang="en-US" dirty="0"/>
           </a:p>
           <a:p>
+            <a:pPr>
+              <a:buFont typeface="Wingdings" panose="05000000000000000000" charset="0"/>
+              <a:buChar char="Ø"/>
+            </a:pPr>
+            <a:endParaRPr lang="en-US" dirty="0">
+              <a:sym typeface="+mn-ea"/>
+            </a:endParaRPr>
+          </a:p>
+          <a:p>
+            <a:pPr>
+              <a:buFont typeface="Wingdings" panose="05000000000000000000" charset="0"/>
+              <a:buChar char="Ø"/>
+            </a:pPr>
             <a:endParaRPr lang="en-US" dirty="0"/>
           </a:p>
           <a:p>
@@ -4641,17 +4624,27 @@
           <a:p>
             <a:r>
               <a:rPr lang="en-US" sz="3000" dirty="0"/>
-              <a:t>Peer 2 Receives Open transaction(Transaction Details):</a:t>
+              <a:t>Open</a:t>
+            </a:r>
+            <a:r>
+              <a:rPr lang="en-US" sz="3000" dirty="0">
+                <a:sym typeface="+mn-ea"/>
+              </a:rPr>
+              <a:t> </a:t>
+            </a:r>
+            <a:r>
+              <a:rPr lang="en-US" sz="3000" dirty="0"/>
+              <a:t>Transactions (Transaction Details):</a:t>
             </a:r>
           </a:p>
         </p:txBody>
       </p:sp>
       <p:pic>
         <p:nvPicPr>
-          <p:cNvPr id="6" name="Content Placeholder 5">
+          <p:cNvPr id="7" name="Content Placeholder 6">
             <a:extLst>
               <a:ext uri="{FF2B5EF4-FFF2-40B4-BE49-F238E27FC236}">
-                <a16:creationId xmlns:a16="http://schemas.microsoft.com/office/drawing/2014/main" id="{8046657E-4A42-4528-AD9A-C6DD40AFB8C2}"/>
+                <a16:creationId xmlns:a16="http://schemas.microsoft.com/office/drawing/2014/main" id="{13642624-9960-4938-9C83-55BD77B58FA8}"/>
               </a:ext>
             </a:extLst>
           </p:cNvPr>
@@ -4663,28 +4656,22 @@
           </p:nvPr>
         </p:nvPicPr>
         <p:blipFill>
-          <a:blip r:embed="rId2">
-            <a:extLst>
-              <a:ext uri="{28A0092B-C50C-407E-A947-70E740481C1C}">
-                <a14:useLocalDpi xmlns:a14="http://schemas.microsoft.com/office/drawing/2010/main" val="0"/>
-              </a:ext>
-            </a:extLst>
-          </a:blip>
+          <a:blip r:embed="rId2"/>
           <a:stretch>
             <a:fillRect/>
           </a:stretch>
         </p:blipFill>
         <p:spPr>
           <a:xfrm>
-            <a:off x="1199940" y="1667119"/>
-            <a:ext cx="8490857" cy="4953000"/>
+            <a:off x="1605290" y="1420935"/>
+            <a:ext cx="8084606" cy="4953000"/>
           </a:xfrm>
         </p:spPr>
       </p:pic>
     </p:spTree>
     <p:extLst>
       <p:ext uri="{BB962C8B-B14F-4D97-AF65-F5344CB8AC3E}">
-        <p14:creationId xmlns:p14="http://schemas.microsoft.com/office/powerpoint/2010/main" val="3346593059"/>
+        <p14:creationId xmlns:p14="http://schemas.microsoft.com/office/powerpoint/2010/main" val="2212342419"/>
       </p:ext>
     </p:extLst>
   </p:cSld>
@@ -4733,17 +4720,17 @@
           <a:p>
             <a:r>
               <a:rPr lang="en-US" sz="3000" dirty="0"/>
-              <a:t>Peer 2 Mines transaction:</a:t>
+              <a:t>Peer 2 Receives Open transaction(Transaction Details):</a:t>
             </a:r>
           </a:p>
         </p:txBody>
       </p:sp>
       <p:pic>
         <p:nvPicPr>
-          <p:cNvPr id="7" name="Content Placeholder 6">
+          <p:cNvPr id="6" name="Content Placeholder 5">
             <a:extLst>
               <a:ext uri="{FF2B5EF4-FFF2-40B4-BE49-F238E27FC236}">
-                <a16:creationId xmlns:a16="http://schemas.microsoft.com/office/drawing/2014/main" id="{AEADF2B7-8A41-4ACF-84FE-F6F6D599F76C}"/>
+                <a16:creationId xmlns:a16="http://schemas.microsoft.com/office/drawing/2014/main" id="{8046657E-4A42-4528-AD9A-C6DD40AFB8C2}"/>
               </a:ext>
             </a:extLst>
           </p:cNvPr>
@@ -4768,15 +4755,15 @@
         </p:blipFill>
         <p:spPr>
           <a:xfrm>
-            <a:off x="1531433" y="1473688"/>
-            <a:ext cx="8642626" cy="4953000"/>
+            <a:off x="1199940" y="1667119"/>
+            <a:ext cx="8490857" cy="4953000"/>
           </a:xfrm>
         </p:spPr>
       </p:pic>
     </p:spTree>
     <p:extLst>
       <p:ext uri="{BB962C8B-B14F-4D97-AF65-F5344CB8AC3E}">
-        <p14:creationId xmlns:p14="http://schemas.microsoft.com/office/powerpoint/2010/main" val="3764951632"/>
+        <p14:creationId xmlns:p14="http://schemas.microsoft.com/office/powerpoint/2010/main" val="3346593059"/>
       </p:ext>
     </p:extLst>
   </p:cSld>
@@ -4825,17 +4812,17 @@
           <a:p>
             <a:r>
               <a:rPr lang="en-US" sz="3000" dirty="0"/>
-              <a:t>New Cheese Added (Transaction Details):</a:t>
+              <a:t>Peer 2 Mines transaction:</a:t>
             </a:r>
           </a:p>
         </p:txBody>
       </p:sp>
       <p:pic>
         <p:nvPicPr>
-          <p:cNvPr id="6" name="Content Placeholder 5">
+          <p:cNvPr id="7" name="Content Placeholder 6">
             <a:extLst>
               <a:ext uri="{FF2B5EF4-FFF2-40B4-BE49-F238E27FC236}">
-                <a16:creationId xmlns:a16="http://schemas.microsoft.com/office/drawing/2014/main" id="{92FF68AD-F5C2-41E7-A3E8-8943979C0206}"/>
+                <a16:creationId xmlns:a16="http://schemas.microsoft.com/office/drawing/2014/main" id="{AEADF2B7-8A41-4ACF-84FE-F6F6D599F76C}"/>
               </a:ext>
             </a:extLst>
           </p:cNvPr>
@@ -4860,15 +4847,15 @@
         </p:blipFill>
         <p:spPr>
           <a:xfrm>
-            <a:off x="1369369" y="1561612"/>
-            <a:ext cx="8767462" cy="4953000"/>
+            <a:off x="1531433" y="1473688"/>
+            <a:ext cx="8642626" cy="4953000"/>
           </a:xfrm>
         </p:spPr>
       </p:pic>
     </p:spTree>
     <p:extLst>
       <p:ext uri="{BB962C8B-B14F-4D97-AF65-F5344CB8AC3E}">
-        <p14:creationId xmlns:p14="http://schemas.microsoft.com/office/powerpoint/2010/main" val="3026894127"/>
+        <p14:creationId xmlns:p14="http://schemas.microsoft.com/office/powerpoint/2010/main" val="3764951632"/>
       </p:ext>
     </p:extLst>
   </p:cSld>
@@ -4907,8 +4894,8 @@
         </p:nvSpPr>
         <p:spPr>
           <a:xfrm>
-            <a:off x="433754" y="472342"/>
-            <a:ext cx="10972800" cy="582613"/>
+            <a:off x="609600" y="682625"/>
+            <a:ext cx="10486292" cy="592260"/>
           </a:xfrm>
         </p:spPr>
         <p:txBody>
@@ -4917,17 +4904,17 @@
           <a:p>
             <a:r>
               <a:rPr lang="en-US" sz="3000" dirty="0"/>
-              <a:t>Open Transactions Updated (Peer 1):</a:t>
+              <a:t>New Cheese Added (Transaction Details):</a:t>
             </a:r>
           </a:p>
         </p:txBody>
       </p:sp>
       <p:pic>
         <p:nvPicPr>
-          <p:cNvPr id="7" name="Content Placeholder 6">
+          <p:cNvPr id="6" name="Content Placeholder 5">
             <a:extLst>
               <a:ext uri="{FF2B5EF4-FFF2-40B4-BE49-F238E27FC236}">
-                <a16:creationId xmlns:a16="http://schemas.microsoft.com/office/drawing/2014/main" id="{6C2F3B61-6734-41D5-985E-B5981BD19AA5}"/>
+                <a16:creationId xmlns:a16="http://schemas.microsoft.com/office/drawing/2014/main" id="{92FF68AD-F5C2-41E7-A3E8-8943979C0206}"/>
               </a:ext>
             </a:extLst>
           </p:cNvPr>
@@ -4939,19 +4926,30 @@
           </p:nvPr>
         </p:nvPicPr>
         <p:blipFill>
-          <a:blip r:embed="rId2"/>
+          <a:blip r:embed="rId2">
+            <a:extLst>
+              <a:ext uri="{28A0092B-C50C-407E-A947-70E740481C1C}">
+                <a14:useLocalDpi xmlns:a14="http://schemas.microsoft.com/office/drawing/2010/main" val="0"/>
+              </a:ext>
+            </a:extLst>
+          </a:blip>
           <a:stretch>
             <a:fillRect/>
           </a:stretch>
         </p:blipFill>
         <p:spPr>
           <a:xfrm>
-            <a:off x="352749" y="1324219"/>
-            <a:ext cx="10730364" cy="4953000"/>
+            <a:off x="1369369" y="1561612"/>
+            <a:ext cx="8767462" cy="4953000"/>
           </a:xfrm>
         </p:spPr>
       </p:pic>
     </p:spTree>
+    <p:extLst>
+      <p:ext uri="{BB962C8B-B14F-4D97-AF65-F5344CB8AC3E}">
+        <p14:creationId xmlns:p14="http://schemas.microsoft.com/office/powerpoint/2010/main" val="3026894127"/>
+      </p:ext>
+    </p:extLst>
   </p:cSld>
   <p:clrMapOvr>
     <a:masterClrMapping/>
@@ -4988,7 +4986,7 @@
         </p:nvSpPr>
         <p:spPr>
           <a:xfrm>
-            <a:off x="609600" y="571500"/>
+            <a:off x="433754" y="472342"/>
             <a:ext cx="10972800" cy="582613"/>
           </a:xfrm>
         </p:spPr>
@@ -4997,15 +4995,21 @@
           <a:lstStyle/>
           <a:p>
             <a:r>
-              <a:rPr lang="en-US" sz="4400" dirty="0"/>
-              <a:t>Conclusion:</a:t>
+              <a:rPr lang="en-US" sz="3000" dirty="0"/>
+              <a:t>Open Transactions Updated (Peer 1):</a:t>
             </a:r>
           </a:p>
         </p:txBody>
       </p:sp>
       <p:pic>
         <p:nvPicPr>
-          <p:cNvPr id="6" name="Content Placeholder 5" descr="concl"/>
+          <p:cNvPr id="7" name="Content Placeholder 6">
+            <a:extLst>
+              <a:ext uri="{FF2B5EF4-FFF2-40B4-BE49-F238E27FC236}">
+                <a16:creationId xmlns:a16="http://schemas.microsoft.com/office/drawing/2014/main" id="{6C2F3B61-6734-41D5-985E-B5981BD19AA5}"/>
+              </a:ext>
+            </a:extLst>
+          </p:cNvPr>
           <p:cNvPicPr>
             <a:picLocks noGrp="1" noChangeAspect="1"/>
           </p:cNvPicPr>
@@ -5021,40 +5025,11 @@
         </p:blipFill>
         <p:spPr>
           <a:xfrm>
-            <a:off x="838200" y="1691640"/>
-            <a:ext cx="9027795" cy="4525645"/>
-          </a:xfrm>
-          <a:prstGeom prst="rect">
-            <a:avLst/>
-          </a:prstGeom>
+            <a:off x="352749" y="1324219"/>
+            <a:ext cx="10730364" cy="4953000"/>
+          </a:xfrm>
         </p:spPr>
       </p:pic>
-      <p:sp>
-        <p:nvSpPr>
-          <p:cNvPr id="7" name="Text Box 6"/>
-          <p:cNvSpPr txBox="1"/>
-          <p:nvPr/>
-        </p:nvSpPr>
-        <p:spPr>
-          <a:xfrm>
-            <a:off x="3563620" y="1065530"/>
-            <a:ext cx="309880" cy="368300"/>
-          </a:xfrm>
-          <a:prstGeom prst="rect">
-            <a:avLst/>
-          </a:prstGeom>
-          <a:noFill/>
-        </p:spPr>
-        <p:txBody>
-          <a:bodyPr wrap="none" rtlCol="0">
-            <a:spAutoFit/>
-          </a:bodyPr>
-          <a:lstStyle/>
-          <a:p>
-            <a:endParaRPr lang="en-US"/>
-          </a:p>
-        </p:txBody>
-      </p:sp>
     </p:spTree>
   </p:cSld>
   <p:clrMapOvr>
@@ -5141,6 +5116,33 @@
       </p:grpSpPr>
       <p:sp>
         <p:nvSpPr>
+          <p:cNvPr id="2" name="Title 1"/>
+          <p:cNvSpPr>
+            <a:spLocks noGrp="1"/>
+          </p:cNvSpPr>
+          <p:nvPr>
+            <p:ph type="title"/>
+          </p:nvPr>
+        </p:nvSpPr>
+        <p:spPr>
+          <a:xfrm>
+            <a:off x="468923" y="2856865"/>
+            <a:ext cx="10972800" cy="1144270"/>
+          </a:xfrm>
+        </p:spPr>
+        <p:txBody>
+          <a:bodyPr/>
+          <a:lstStyle/>
+          <a:p>
+            <a:r>
+              <a:rPr lang="en-US" sz="4400" b="1" dirty="0"/>
+              <a:t>Part 2: Retrospectives, Evaluation, etc.</a:t>
+            </a:r>
+          </a:p>
+        </p:txBody>
+      </p:sp>
+      <p:sp>
+        <p:nvSpPr>
           <p:cNvPr id="3" name="Content Placeholder 2"/>
           <p:cNvSpPr>
             <a:spLocks noGrp="1"/>
@@ -5151,32 +5153,808 @@
         </p:nvSpPr>
         <p:spPr/>
         <p:txBody>
-          <a:bodyPr/>
-          <a:lstStyle/>
-          <a:p>
-            <a:endParaRPr lang="en-US"/>
-          </a:p>
-          <a:p>
-            <a:endParaRPr lang="en-US"/>
-          </a:p>
-          <a:p>
-            <a:endParaRPr lang="en-US"/>
-          </a:p>
-          <a:p>
-            <a:pPr marL="0" indent="0">
-              <a:buNone/>
+          <a:bodyPr>
+            <a:normAutofit fontScale="95000"/>
+          </a:bodyPr>
+          <a:lstStyle/>
+          <a:p>
+            <a:pPr>
+              <a:buFont typeface="Wingdings" panose="05000000000000000000" charset="0"/>
+              <a:buChar char="Ø"/>
             </a:pPr>
-            <a:r>
-              <a:rPr lang="en-US"/>
-              <a:t>                                                  THANK YOU!</a:t>
-            </a:r>
+            <a:endParaRPr lang="en-US" dirty="0">
+              <a:sym typeface="+mn-ea"/>
+            </a:endParaRPr>
+          </a:p>
+          <a:p>
+            <a:pPr>
+              <a:buFont typeface="Wingdings" panose="05000000000000000000" charset="0"/>
+              <a:buChar char="Ø"/>
+            </a:pPr>
+            <a:endParaRPr lang="en-US" sz="6665" dirty="0"/>
+          </a:p>
+          <a:p>
+            <a:pPr>
+              <a:buFont typeface="Wingdings" panose="05000000000000000000" charset="0"/>
+              <a:buChar char="Ø"/>
+            </a:pPr>
+            <a:endParaRPr lang="en-US" dirty="0"/>
+          </a:p>
+          <a:p>
+            <a:pPr>
+              <a:buFont typeface="Wingdings" panose="05000000000000000000" charset="0"/>
+              <a:buChar char="Ø"/>
+            </a:pPr>
+            <a:endParaRPr lang="en-US" dirty="0">
+              <a:sym typeface="+mn-ea"/>
+            </a:endParaRPr>
+          </a:p>
+          <a:p>
+            <a:pPr>
+              <a:buFont typeface="Wingdings" panose="05000000000000000000" charset="0"/>
+              <a:buChar char="Ø"/>
+            </a:pPr>
+            <a:endParaRPr lang="en-US" dirty="0"/>
+          </a:p>
+          <a:p>
+            <a:endParaRPr lang="en-US" dirty="0"/>
           </a:p>
         </p:txBody>
       </p:sp>
     </p:spTree>
     <p:extLst>
       <p:ext uri="{BB962C8B-B14F-4D97-AF65-F5344CB8AC3E}">
-        <p14:creationId xmlns:p14="http://schemas.microsoft.com/office/powerpoint/2010/main" val="1045168698"/>
+        <p14:creationId xmlns:p14="http://schemas.microsoft.com/office/powerpoint/2010/main" val="3223040946"/>
+      </p:ext>
+    </p:extLst>
+  </p:cSld>
+  <p:clrMapOvr>
+    <a:masterClrMapping/>
+  </p:clrMapOvr>
+</p:sld>
+</file>
+
+<file path=ppt/slides/slide27.xml><?xml version="1.0" encoding="utf-8"?>
+<p:sld xmlns:a="http://schemas.openxmlformats.org/drawingml/2006/main" xmlns:r="http://schemas.openxmlformats.org/officeDocument/2006/relationships" xmlns:p="http://schemas.openxmlformats.org/presentationml/2006/main">
+  <p:cSld>
+    <p:spTree>
+      <p:nvGrpSpPr>
+        <p:cNvPr id="1" name=""/>
+        <p:cNvGrpSpPr/>
+        <p:nvPr/>
+      </p:nvGrpSpPr>
+      <p:grpSpPr>
+        <a:xfrm>
+          <a:off x="0" y="0"/>
+          <a:ext cx="0" cy="0"/>
+          <a:chOff x="0" y="0"/>
+          <a:chExt cx="0" cy="0"/>
+        </a:xfrm>
+      </p:grpSpPr>
+      <p:sp>
+        <p:nvSpPr>
+          <p:cNvPr id="2" name="Title 1"/>
+          <p:cNvSpPr>
+            <a:spLocks noGrp="1"/>
+          </p:cNvSpPr>
+          <p:nvPr>
+            <p:ph type="title"/>
+          </p:nvPr>
+        </p:nvSpPr>
+        <p:spPr>
+          <a:xfrm>
+            <a:off x="609600" y="158750"/>
+            <a:ext cx="10972800" cy="984885"/>
+          </a:xfrm>
+        </p:spPr>
+        <p:txBody>
+          <a:bodyPr>
+            <a:normAutofit/>
+          </a:bodyPr>
+          <a:lstStyle/>
+          <a:p>
+            <a:r>
+              <a:rPr lang="en-US" sz="4400" b="1" dirty="0">
+                <a:sym typeface="+mn-ea"/>
+              </a:rPr>
+              <a:t>Work Done</a:t>
+            </a:r>
+            <a:endParaRPr lang="en-US" sz="4400" b="1" dirty="0"/>
+          </a:p>
+        </p:txBody>
+      </p:sp>
+      <p:graphicFrame>
+        <p:nvGraphicFramePr>
+          <p:cNvPr id="13" name="Table 13">
+            <a:extLst>
+              <a:ext uri="{FF2B5EF4-FFF2-40B4-BE49-F238E27FC236}">
+                <a16:creationId xmlns:a16="http://schemas.microsoft.com/office/drawing/2014/main" id="{64E749DE-4B87-463E-B53B-6AE21A54AC58}"/>
+              </a:ext>
+            </a:extLst>
+          </p:cNvPr>
+          <p:cNvGraphicFramePr>
+            <a:graphicFrameLocks noGrp="1"/>
+          </p:cNvGraphicFramePr>
+          <p:nvPr>
+            <p:ph idx="1"/>
+            <p:extLst>
+              <p:ext uri="{D42A27DB-BD31-4B8C-83A1-F6EECF244321}">
+                <p14:modId xmlns:p14="http://schemas.microsoft.com/office/powerpoint/2010/main" val="3717869993"/>
+              </p:ext>
+            </p:extLst>
+          </p:nvPr>
+        </p:nvGraphicFramePr>
+        <p:xfrm>
+          <a:off x="609600" y="1544027"/>
+          <a:ext cx="10972800" cy="4355613"/>
+        </p:xfrm>
+        <a:graphic>
+          <a:graphicData uri="http://schemas.openxmlformats.org/drawingml/2006/table">
+            <a:tbl>
+              <a:tblPr firstRow="1" bandRow="1">
+                <a:tableStyleId>{5C22544A-7EE6-4342-B048-85BDC9FD1C3A}</a:tableStyleId>
+              </a:tblPr>
+              <a:tblGrid>
+                <a:gridCol w="4147038">
+                  <a:extLst>
+                    <a:ext uri="{9D8B030D-6E8A-4147-A177-3AD203B41FA5}">
+                      <a16:colId xmlns:a16="http://schemas.microsoft.com/office/drawing/2014/main" val="1359188381"/>
+                    </a:ext>
+                  </a:extLst>
+                </a:gridCol>
+                <a:gridCol w="6825762">
+                  <a:extLst>
+                    <a:ext uri="{9D8B030D-6E8A-4147-A177-3AD203B41FA5}">
+                      <a16:colId xmlns:a16="http://schemas.microsoft.com/office/drawing/2014/main" val="2965056346"/>
+                    </a:ext>
+                  </a:extLst>
+                </a:gridCol>
+              </a:tblGrid>
+              <a:tr h="551057">
+                <a:tc>
+                  <a:txBody>
+                    <a:bodyPr/>
+                    <a:lstStyle/>
+                    <a:p>
+                      <a:r>
+                        <a:rPr lang="en-GB" dirty="0"/>
+                        <a:t>Team Member</a:t>
+                      </a:r>
+                    </a:p>
+                  </a:txBody>
+                  <a:tcPr/>
+                </a:tc>
+                <a:tc>
+                  <a:txBody>
+                    <a:bodyPr/>
+                    <a:lstStyle/>
+                    <a:p>
+                      <a:r>
+                        <a:rPr lang="en-GB" dirty="0"/>
+                        <a:t>Tasks</a:t>
+                      </a:r>
+                    </a:p>
+                  </a:txBody>
+                  <a:tcPr/>
+                </a:tc>
+                <a:extLst>
+                  <a:ext uri="{0D108BD9-81ED-4DB2-BD59-A6C34878D82A}">
+                    <a16:rowId xmlns:a16="http://schemas.microsoft.com/office/drawing/2014/main" val="1598866984"/>
+                  </a:ext>
+                </a:extLst>
+              </a:tr>
+              <a:tr h="951139">
+                <a:tc>
+                  <a:txBody>
+                    <a:bodyPr/>
+                    <a:lstStyle/>
+                    <a:p>
+                      <a:r>
+                        <a:rPr lang="en-GB" dirty="0"/>
+                        <a:t>Chimezirim Victor EKEMAM</a:t>
+                      </a:r>
+                    </a:p>
+                  </a:txBody>
+                  <a:tcPr/>
+                </a:tc>
+                <a:tc>
+                  <a:txBody>
+                    <a:bodyPr/>
+                    <a:lstStyle/>
+                    <a:p>
+                      <a:r>
+                        <a:rPr lang="en-US" dirty="0" err="1"/>
+                        <a:t>Cheesechain</a:t>
+                      </a:r>
+                      <a:r>
+                        <a:rPr lang="en-US" dirty="0"/>
+                        <a:t> Design and Implementation/GUI, Network Protocol/Tracker &amp; Peer, Integration Testing</a:t>
+                      </a:r>
+                      <a:endParaRPr lang="en-GB" dirty="0"/>
+                    </a:p>
+                  </a:txBody>
+                  <a:tcPr/>
+                </a:tc>
+                <a:extLst>
+                  <a:ext uri="{0D108BD9-81ED-4DB2-BD59-A6C34878D82A}">
+                    <a16:rowId xmlns:a16="http://schemas.microsoft.com/office/drawing/2014/main" val="213063031"/>
+                  </a:ext>
+                </a:extLst>
+              </a:tr>
+              <a:tr h="951139">
+                <a:tc>
+                  <a:txBody>
+                    <a:bodyPr/>
+                    <a:lstStyle/>
+                    <a:p>
+                      <a:r>
+                        <a:rPr lang="en-GB" dirty="0"/>
+                        <a:t>Sara Assefa ALEMAYEHU</a:t>
+                      </a:r>
+                    </a:p>
+                  </a:txBody>
+                  <a:tcPr/>
+                </a:tc>
+                <a:tc>
+                  <a:txBody>
+                    <a:bodyPr/>
+                    <a:lstStyle/>
+                    <a:p>
+                      <a:r>
+                        <a:rPr lang="en-GB" dirty="0" err="1"/>
+                        <a:t>Cheesechain</a:t>
+                      </a:r>
+                      <a:r>
+                        <a:rPr lang="en-GB" dirty="0"/>
+                        <a:t> Debugging and Modification, Documentation (Auto Evaluation, Retrospective), Integration Testing</a:t>
+                      </a:r>
+                    </a:p>
+                  </a:txBody>
+                  <a:tcPr/>
+                </a:tc>
+                <a:extLst>
+                  <a:ext uri="{0D108BD9-81ED-4DB2-BD59-A6C34878D82A}">
+                    <a16:rowId xmlns:a16="http://schemas.microsoft.com/office/drawing/2014/main" val="3246867319"/>
+                  </a:ext>
+                </a:extLst>
+              </a:tr>
+              <a:tr h="951139">
+                <a:tc>
+                  <a:txBody>
+                    <a:bodyPr/>
+                    <a:lstStyle/>
+                    <a:p>
+                      <a:r>
+                        <a:rPr lang="en-GB" dirty="0"/>
+                        <a:t>Ignas BARAKAUSKAS</a:t>
+                      </a:r>
+                    </a:p>
+                  </a:txBody>
+                  <a:tcPr/>
+                </a:tc>
+                <a:tc>
+                  <a:txBody>
+                    <a:bodyPr/>
+                    <a:lstStyle/>
+                    <a:p>
+                      <a:r>
+                        <a:rPr lang="en-GB" dirty="0" err="1"/>
+                        <a:t>Cheesechain</a:t>
+                      </a:r>
+                      <a:r>
+                        <a:rPr lang="en-GB" dirty="0"/>
+                        <a:t> Debugging and Modifications, Integration Testing, Documentation (Readme.md)</a:t>
+                      </a:r>
+                    </a:p>
+                  </a:txBody>
+                  <a:tcPr/>
+                </a:tc>
+                <a:extLst>
+                  <a:ext uri="{0D108BD9-81ED-4DB2-BD59-A6C34878D82A}">
+                    <a16:rowId xmlns:a16="http://schemas.microsoft.com/office/drawing/2014/main" val="1902461323"/>
+                  </a:ext>
+                </a:extLst>
+              </a:tr>
+              <a:tr h="951139">
+                <a:tc>
+                  <a:txBody>
+                    <a:bodyPr/>
+                    <a:lstStyle/>
+                    <a:p>
+                      <a:r>
+                        <a:rPr lang="en-GB" dirty="0"/>
+                        <a:t>Soumya KUMBAR</a:t>
+                      </a:r>
+                    </a:p>
+                  </a:txBody>
+                  <a:tcPr/>
+                </a:tc>
+                <a:tc>
+                  <a:txBody>
+                    <a:bodyPr/>
+                    <a:lstStyle/>
+                    <a:p>
+                      <a:r>
+                        <a:rPr lang="en-GB" dirty="0" err="1"/>
+                        <a:t>Cheesechain</a:t>
+                      </a:r>
+                      <a:r>
+                        <a:rPr lang="en-GB" dirty="0"/>
+                        <a:t> Debugging and Modification Unit Testing implementation, Integration Testing</a:t>
+                      </a:r>
+                    </a:p>
+                  </a:txBody>
+                  <a:tcPr/>
+                </a:tc>
+                <a:extLst>
+                  <a:ext uri="{0D108BD9-81ED-4DB2-BD59-A6C34878D82A}">
+                    <a16:rowId xmlns:a16="http://schemas.microsoft.com/office/drawing/2014/main" val="2840657584"/>
+                  </a:ext>
+                </a:extLst>
+              </a:tr>
+            </a:tbl>
+          </a:graphicData>
+        </a:graphic>
+      </p:graphicFrame>
+    </p:spTree>
+    <p:extLst>
+      <p:ext uri="{BB962C8B-B14F-4D97-AF65-F5344CB8AC3E}">
+        <p14:creationId xmlns:p14="http://schemas.microsoft.com/office/powerpoint/2010/main" val="485939027"/>
+      </p:ext>
+    </p:extLst>
+  </p:cSld>
+  <p:clrMapOvr>
+    <a:masterClrMapping/>
+  </p:clrMapOvr>
+</p:sld>
+</file>
+
+<file path=ppt/slides/slide28.xml><?xml version="1.0" encoding="utf-8"?>
+<p:sld xmlns:a="http://schemas.openxmlformats.org/drawingml/2006/main" xmlns:r="http://schemas.openxmlformats.org/officeDocument/2006/relationships" xmlns:p="http://schemas.openxmlformats.org/presentationml/2006/main">
+  <p:cSld>
+    <p:spTree>
+      <p:nvGrpSpPr>
+        <p:cNvPr id="1" name=""/>
+        <p:cNvGrpSpPr/>
+        <p:nvPr/>
+      </p:nvGrpSpPr>
+      <p:grpSpPr>
+        <a:xfrm>
+          <a:off x="0" y="0"/>
+          <a:ext cx="0" cy="0"/>
+          <a:chOff x="0" y="0"/>
+          <a:chExt cx="0" cy="0"/>
+        </a:xfrm>
+      </p:grpSpPr>
+      <p:sp>
+        <p:nvSpPr>
+          <p:cNvPr id="2" name="Title 1"/>
+          <p:cNvSpPr>
+            <a:spLocks noGrp="1"/>
+          </p:cNvSpPr>
+          <p:nvPr>
+            <p:ph type="title"/>
+          </p:nvPr>
+        </p:nvSpPr>
+        <p:spPr>
+          <a:xfrm>
+            <a:off x="609600" y="158750"/>
+            <a:ext cx="10972800" cy="984885"/>
+          </a:xfrm>
+        </p:spPr>
+        <p:txBody>
+          <a:bodyPr>
+            <a:normAutofit/>
+          </a:bodyPr>
+          <a:lstStyle/>
+          <a:p>
+            <a:r>
+              <a:rPr lang="en-US" sz="4400" b="1" dirty="0">
+                <a:sym typeface="+mn-ea"/>
+              </a:rPr>
+              <a:t>Evaluation</a:t>
+            </a:r>
+            <a:endParaRPr lang="en-US" sz="4400" b="1" dirty="0"/>
+          </a:p>
+        </p:txBody>
+      </p:sp>
+      <p:graphicFrame>
+        <p:nvGraphicFramePr>
+          <p:cNvPr id="13" name="Table 13">
+            <a:extLst>
+              <a:ext uri="{FF2B5EF4-FFF2-40B4-BE49-F238E27FC236}">
+                <a16:creationId xmlns:a16="http://schemas.microsoft.com/office/drawing/2014/main" id="{64E749DE-4B87-463E-B53B-6AE21A54AC58}"/>
+              </a:ext>
+            </a:extLst>
+          </p:cNvPr>
+          <p:cNvGraphicFramePr>
+            <a:graphicFrameLocks noGrp="1"/>
+          </p:cNvGraphicFramePr>
+          <p:nvPr>
+            <p:ph idx="1"/>
+            <p:extLst>
+              <p:ext uri="{D42A27DB-BD31-4B8C-83A1-F6EECF244321}">
+                <p14:modId xmlns:p14="http://schemas.microsoft.com/office/powerpoint/2010/main" val="4128153004"/>
+              </p:ext>
+            </p:extLst>
+          </p:nvPr>
+        </p:nvGraphicFramePr>
+        <p:xfrm>
+          <a:off x="609600" y="1143635"/>
+          <a:ext cx="10972800" cy="5028072"/>
+        </p:xfrm>
+        <a:graphic>
+          <a:graphicData uri="http://schemas.openxmlformats.org/drawingml/2006/table">
+            <a:tbl>
+              <a:tblPr firstRow="1" bandRow="1">
+                <a:tableStyleId>{5C22544A-7EE6-4342-B048-85BDC9FD1C3A}</a:tableStyleId>
+              </a:tblPr>
+              <a:tblGrid>
+                <a:gridCol w="5369169">
+                  <a:extLst>
+                    <a:ext uri="{9D8B030D-6E8A-4147-A177-3AD203B41FA5}">
+                      <a16:colId xmlns:a16="http://schemas.microsoft.com/office/drawing/2014/main" val="1359188381"/>
+                    </a:ext>
+                  </a:extLst>
+                </a:gridCol>
+                <a:gridCol w="5603631">
+                  <a:extLst>
+                    <a:ext uri="{9D8B030D-6E8A-4147-A177-3AD203B41FA5}">
+                      <a16:colId xmlns:a16="http://schemas.microsoft.com/office/drawing/2014/main" val="2965056346"/>
+                    </a:ext>
+                  </a:extLst>
+                </a:gridCol>
+              </a:tblGrid>
+              <a:tr h="601713">
+                <a:tc>
+                  <a:txBody>
+                    <a:bodyPr/>
+                    <a:lstStyle/>
+                    <a:p>
+                      <a:r>
+                        <a:rPr lang="en-GB" dirty="0"/>
+                        <a:t>Works Well</a:t>
+                      </a:r>
+                    </a:p>
+                  </a:txBody>
+                  <a:tcPr/>
+                </a:tc>
+                <a:tc>
+                  <a:txBody>
+                    <a:bodyPr/>
+                    <a:lstStyle/>
+                    <a:p>
+                      <a:r>
+                        <a:rPr lang="en-GB" dirty="0"/>
+                        <a:t>Not So Perfect</a:t>
+                      </a:r>
+                    </a:p>
+                  </a:txBody>
+                  <a:tcPr/>
+                </a:tc>
+                <a:extLst>
+                  <a:ext uri="{0D108BD9-81ED-4DB2-BD59-A6C34878D82A}">
+                    <a16:rowId xmlns:a16="http://schemas.microsoft.com/office/drawing/2014/main" val="1598866984"/>
+                  </a:ext>
+                </a:extLst>
+              </a:tr>
+              <a:tr h="1038573">
+                <a:tc>
+                  <a:txBody>
+                    <a:bodyPr/>
+                    <a:lstStyle/>
+                    <a:p>
+                      <a:r>
+                        <a:rPr lang="en-GB" sz="2500" dirty="0"/>
+                        <a:t>Tracker: Does the basics, as expected</a:t>
+                      </a:r>
+                    </a:p>
+                  </a:txBody>
+                  <a:tcPr/>
+                </a:tc>
+                <a:tc>
+                  <a:txBody>
+                    <a:bodyPr/>
+                    <a:lstStyle/>
+                    <a:p>
+                      <a:r>
+                        <a:rPr lang="en-US" sz="2000" dirty="0"/>
+                        <a:t>Some high level exceptions occur in the network communication process which we had not the time to properly handle</a:t>
+                      </a:r>
+                      <a:endParaRPr lang="en-GB" sz="2000" dirty="0"/>
+                    </a:p>
+                  </a:txBody>
+                  <a:tcPr/>
+                </a:tc>
+                <a:extLst>
+                  <a:ext uri="{0D108BD9-81ED-4DB2-BD59-A6C34878D82A}">
+                    <a16:rowId xmlns:a16="http://schemas.microsoft.com/office/drawing/2014/main" val="213063031"/>
+                  </a:ext>
+                </a:extLst>
+              </a:tr>
+              <a:tr h="1038573">
+                <a:tc>
+                  <a:txBody>
+                    <a:bodyPr/>
+                    <a:lstStyle/>
+                    <a:p>
+                      <a:pPr marL="0" marR="0" lvl="0" indent="0" algn="l" defTabSz="914400" rtl="0" eaLnBrk="1" fontAlgn="auto" latinLnBrk="0" hangingPunct="1">
+                        <a:lnSpc>
+                          <a:spcPct val="100000"/>
+                        </a:lnSpc>
+                        <a:spcBef>
+                          <a:spcPts val="0"/>
+                        </a:spcBef>
+                        <a:spcAft>
+                          <a:spcPts val="0"/>
+                        </a:spcAft>
+                        <a:buClrTx/>
+                        <a:buSzTx/>
+                        <a:buFontTx/>
+                        <a:buNone/>
+                        <a:tabLst/>
+                        <a:defRPr/>
+                      </a:pPr>
+                      <a:r>
+                        <a:rPr lang="en-GB" sz="2500" dirty="0"/>
+                        <a:t>Peer: Does the basics, as expected</a:t>
+                      </a:r>
+                    </a:p>
+                  </a:txBody>
+                  <a:tcPr/>
+                </a:tc>
+                <a:tc>
+                  <a:txBody>
+                    <a:bodyPr/>
+                    <a:lstStyle/>
+                    <a:p>
+                      <a:r>
+                        <a:rPr lang="en-US" sz="2000" dirty="0"/>
+                        <a:t>First peer connected on the network may need to disconnect and reconnect again after other peers may have joined to be able to properly share resources</a:t>
+                      </a:r>
+                      <a:endParaRPr lang="en-GB" sz="2000" dirty="0"/>
+                    </a:p>
+                  </a:txBody>
+                  <a:tcPr/>
+                </a:tc>
+                <a:extLst>
+                  <a:ext uri="{0D108BD9-81ED-4DB2-BD59-A6C34878D82A}">
+                    <a16:rowId xmlns:a16="http://schemas.microsoft.com/office/drawing/2014/main" val="3246867319"/>
+                  </a:ext>
+                </a:extLst>
+              </a:tr>
+              <a:tr h="1038573">
+                <a:tc>
+                  <a:txBody>
+                    <a:bodyPr/>
+                    <a:lstStyle/>
+                    <a:p>
+                      <a:r>
+                        <a:rPr lang="en-GB" sz="2500" dirty="0" err="1"/>
+                        <a:t>Cheesechain</a:t>
+                      </a:r>
+                      <a:r>
+                        <a:rPr lang="en-GB" sz="2500" dirty="0"/>
+                        <a:t>: Works as it should, always validated, etc.</a:t>
+                      </a:r>
+                    </a:p>
+                  </a:txBody>
+                  <a:tcPr/>
+                </a:tc>
+                <a:tc>
+                  <a:txBody>
+                    <a:bodyPr/>
+                    <a:lstStyle/>
+                    <a:p>
+                      <a:r>
+                        <a:rPr lang="en-GB" sz="2000" dirty="0"/>
+                        <a:t>GUI is not reactive to background changes, so a few clicks a necessary to update data on screen</a:t>
+                      </a:r>
+                    </a:p>
+                  </a:txBody>
+                  <a:tcPr/>
+                </a:tc>
+                <a:extLst>
+                  <a:ext uri="{0D108BD9-81ED-4DB2-BD59-A6C34878D82A}">
+                    <a16:rowId xmlns:a16="http://schemas.microsoft.com/office/drawing/2014/main" val="1902461323"/>
+                  </a:ext>
+                </a:extLst>
+              </a:tr>
+              <a:tr h="1038573">
+                <a:tc>
+                  <a:txBody>
+                    <a:bodyPr/>
+                    <a:lstStyle/>
+                    <a:p>
+                      <a:r>
+                        <a:rPr lang="en-GB" sz="2500" dirty="0"/>
+                        <a:t>GUI: Helps in easy visualisation and testing</a:t>
+                      </a:r>
+                    </a:p>
+                  </a:txBody>
+                  <a:tcPr/>
+                </a:tc>
+                <a:tc>
+                  <a:txBody>
+                    <a:bodyPr/>
+                    <a:lstStyle/>
+                    <a:p>
+                      <a:endParaRPr lang="en-GB" dirty="0"/>
+                    </a:p>
+                  </a:txBody>
+                  <a:tcPr/>
+                </a:tc>
+                <a:extLst>
+                  <a:ext uri="{0D108BD9-81ED-4DB2-BD59-A6C34878D82A}">
+                    <a16:rowId xmlns:a16="http://schemas.microsoft.com/office/drawing/2014/main" val="2840657584"/>
+                  </a:ext>
+                </a:extLst>
+              </a:tr>
+            </a:tbl>
+          </a:graphicData>
+        </a:graphic>
+      </p:graphicFrame>
+    </p:spTree>
+    <p:extLst>
+      <p:ext uri="{BB962C8B-B14F-4D97-AF65-F5344CB8AC3E}">
+        <p14:creationId xmlns:p14="http://schemas.microsoft.com/office/powerpoint/2010/main" val="1082048962"/>
+      </p:ext>
+    </p:extLst>
+  </p:cSld>
+  <p:clrMapOvr>
+    <a:masterClrMapping/>
+  </p:clrMapOvr>
+</p:sld>
+</file>
+
+<file path=ppt/slides/slide29.xml><?xml version="1.0" encoding="utf-8"?>
+<p:sld xmlns:a="http://schemas.openxmlformats.org/drawingml/2006/main" xmlns:r="http://schemas.openxmlformats.org/officeDocument/2006/relationships" xmlns:p="http://schemas.openxmlformats.org/presentationml/2006/main">
+  <p:cSld>
+    <p:spTree>
+      <p:nvGrpSpPr>
+        <p:cNvPr id="1" name=""/>
+        <p:cNvGrpSpPr/>
+        <p:nvPr/>
+      </p:nvGrpSpPr>
+      <p:grpSpPr>
+        <a:xfrm>
+          <a:off x="0" y="0"/>
+          <a:ext cx="0" cy="0"/>
+          <a:chOff x="0" y="0"/>
+          <a:chExt cx="0" cy="0"/>
+        </a:xfrm>
+      </p:grpSpPr>
+      <p:sp>
+        <p:nvSpPr>
+          <p:cNvPr id="2" name="Title 1"/>
+          <p:cNvSpPr>
+            <a:spLocks noGrp="1"/>
+          </p:cNvSpPr>
+          <p:nvPr>
+            <p:ph type="title"/>
+          </p:nvPr>
+        </p:nvSpPr>
+        <p:spPr>
+          <a:xfrm>
+            <a:off x="609600" y="158750"/>
+            <a:ext cx="10972800" cy="984885"/>
+          </a:xfrm>
+        </p:spPr>
+        <p:txBody>
+          <a:bodyPr>
+            <a:normAutofit fontScale="90000"/>
+          </a:bodyPr>
+          <a:lstStyle/>
+          <a:p>
+            <a:r>
+              <a:rPr lang="en-US" sz="4400" b="1" dirty="0">
+                <a:sym typeface="+mn-ea"/>
+              </a:rPr>
+              <a:t>Retrospectives – Skills/Knowledge gained</a:t>
+            </a:r>
+            <a:endParaRPr lang="en-US" sz="4400" b="1" dirty="0"/>
+          </a:p>
+        </p:txBody>
+      </p:sp>
+      <p:sp>
+        <p:nvSpPr>
+          <p:cNvPr id="3" name="Content Placeholder 2"/>
+          <p:cNvSpPr>
+            <a:spLocks noGrp="1"/>
+          </p:cNvSpPr>
+          <p:nvPr>
+            <p:ph idx="1"/>
+          </p:nvPr>
+        </p:nvSpPr>
+        <p:spPr>
+          <a:xfrm>
+            <a:off x="609600" y="1688122"/>
+            <a:ext cx="10972800" cy="4439627"/>
+          </a:xfrm>
+        </p:spPr>
+        <p:txBody>
+          <a:bodyPr>
+            <a:normAutofit fontScale="90000"/>
+          </a:bodyPr>
+          <a:lstStyle/>
+          <a:p>
+            <a:pPr>
+              <a:buFont typeface="Wingdings" panose="05000000000000000000" charset="0"/>
+              <a:buChar char="Ø"/>
+            </a:pPr>
+            <a:r>
+              <a:rPr lang="en-US" sz="3300" dirty="0"/>
+              <a:t>Design and implementation network protocols</a:t>
+            </a:r>
+          </a:p>
+          <a:p>
+            <a:pPr>
+              <a:buFont typeface="Wingdings" panose="05000000000000000000" charset="0"/>
+              <a:buChar char="Ø"/>
+            </a:pPr>
+            <a:r>
+              <a:rPr lang="en-US" sz="3300" dirty="0"/>
+              <a:t>Understanding of and ability to implement P2P systems</a:t>
+            </a:r>
+          </a:p>
+          <a:p>
+            <a:pPr>
+              <a:buFont typeface="Wingdings" panose="05000000000000000000" charset="0"/>
+              <a:buChar char="Ø"/>
+            </a:pPr>
+            <a:r>
+              <a:rPr lang="en-US" sz="3300" dirty="0"/>
+              <a:t>Deep understanding of blockchain technology</a:t>
+            </a:r>
+          </a:p>
+          <a:p>
+            <a:pPr>
+              <a:buFont typeface="Wingdings" panose="05000000000000000000" charset="0"/>
+              <a:buChar char="Ø"/>
+            </a:pPr>
+            <a:r>
+              <a:rPr lang="en-US" sz="3300" dirty="0"/>
+              <a:t>Also ability to design an implement solutions on blockchain</a:t>
+            </a:r>
+          </a:p>
+          <a:p>
+            <a:pPr>
+              <a:buFont typeface="Wingdings" panose="05000000000000000000" charset="0"/>
+              <a:buChar char="Ø"/>
+            </a:pPr>
+            <a:r>
+              <a:rPr lang="en-US" sz="3300" dirty="0"/>
+              <a:t>Consolidation of skills on concurrent programming and multithreading</a:t>
+            </a:r>
+          </a:p>
+          <a:p>
+            <a:pPr>
+              <a:buFont typeface="Wingdings" panose="05000000000000000000" charset="0"/>
+              <a:buChar char="Ø"/>
+            </a:pPr>
+            <a:r>
+              <a:rPr lang="en-US" sz="3300" dirty="0"/>
+              <a:t>Additionally, team collaboration, time management, knowledge sharing</a:t>
+            </a:r>
+          </a:p>
+          <a:p>
+            <a:endParaRPr lang="en-US" sz="3000" dirty="0"/>
+          </a:p>
+          <a:p>
+            <a:endParaRPr lang="en-US" sz="3000" dirty="0"/>
+          </a:p>
+          <a:p>
+            <a:endParaRPr lang="en-US" sz="3000" dirty="0"/>
+          </a:p>
+          <a:p>
+            <a:endParaRPr lang="en-US" sz="3000" dirty="0"/>
+          </a:p>
+        </p:txBody>
+      </p:sp>
+    </p:spTree>
+    <p:extLst>
+      <p:ext uri="{BB962C8B-B14F-4D97-AF65-F5344CB8AC3E}">
+        <p14:creationId xmlns:p14="http://schemas.microsoft.com/office/powerpoint/2010/main" val="3574267189"/>
       </p:ext>
     </p:extLst>
   </p:cSld>
@@ -5215,62 +5993,57 @@
         </p:nvSpPr>
         <p:spPr>
           <a:xfrm>
-            <a:off x="609600" y="349250"/>
-            <a:ext cx="10972800" cy="1260475"/>
-          </a:xfrm>
-        </p:spPr>
+            <a:off x="609600" y="190500"/>
+            <a:ext cx="10972800" cy="1144270"/>
+          </a:xfrm>
+        </p:spPr>
+        <p:txBody>
+          <a:bodyPr/>
+          <a:lstStyle/>
+          <a:p>
+            <a:r>
+              <a:rPr lang="en-US" sz="4400" b="1"/>
+              <a:t>Objective Of The Project:</a:t>
+            </a:r>
+          </a:p>
+        </p:txBody>
+      </p:sp>
+      <p:sp>
+        <p:nvSpPr>
+          <p:cNvPr id="3" name="Content Placeholder 2"/>
+          <p:cNvSpPr>
+            <a:spLocks noGrp="1"/>
+          </p:cNvSpPr>
+          <p:nvPr>
+            <p:ph idx="1"/>
+          </p:nvPr>
+        </p:nvSpPr>
+        <p:spPr/>
         <p:txBody>
           <a:bodyPr>
-            <a:normAutofit fontScale="90000"/>
+            <a:normAutofit fontScale="57500" lnSpcReduction="20000"/>
           </a:bodyPr>
           <a:lstStyle/>
           <a:p>
-            <a:r>
-              <a:rPr lang="en-US" sz="4890" b="1">
-                <a:sym typeface="+mn-ea"/>
-              </a:rPr>
-              <a:t>Peer to Peer networking system:</a:t>
-            </a:r>
-            <a:br>
-              <a:rPr lang="en-US"/>
-            </a:br>
-            <a:endParaRPr lang="en-US"/>
-          </a:p>
-        </p:txBody>
-      </p:sp>
-      <p:sp>
-        <p:nvSpPr>
-          <p:cNvPr id="3" name="Content Placeholder 2"/>
-          <p:cNvSpPr>
-            <a:spLocks noGrp="1"/>
-          </p:cNvSpPr>
-          <p:nvPr>
-            <p:ph idx="1"/>
-          </p:nvPr>
-        </p:nvSpPr>
-        <p:spPr>
-          <a:xfrm>
-            <a:off x="838200" y="1492250"/>
-            <a:ext cx="10515600" cy="5128895"/>
-          </a:xfrm>
-        </p:spPr>
-        <p:txBody>
-          <a:bodyPr>
-            <a:noAutofit/>
-          </a:bodyPr>
-          <a:lstStyle/>
+            <a:pPr>
+              <a:buFont typeface="Wingdings" panose="05000000000000000000" charset="0"/>
+              <a:buChar char="Ø"/>
+            </a:pPr>
+            <a:endParaRPr lang="en-US" dirty="0">
+              <a:sym typeface="+mn-ea"/>
+            </a:endParaRPr>
+          </a:p>
           <a:p>
             <a:pPr marL="0" indent="0">
               <a:buFont typeface="Wingdings" panose="05000000000000000000" charset="0"/>
               <a:buNone/>
             </a:pPr>
             <a:r>
-              <a:rPr lang="en-US" sz="3500" dirty="0">
+              <a:rPr lang="en-US" sz="6665" dirty="0">
                 <a:sym typeface="+mn-ea"/>
               </a:rPr>
-              <a:t> Is a distributed application architecture that partitions tasks or workloads between peers.</a:t>
-            </a:r>
-            <a:endParaRPr lang="en-US" sz="3500" dirty="0"/>
+              <a:t>Our goal was to implement a blockchain peer to peer system inspired by Bitcoin.</a:t>
+            </a:r>
           </a:p>
           <a:p>
             <a:pPr>
@@ -5278,24 +6051,11 @@
               <a:buChar char="Ø"/>
             </a:pPr>
             <a:r>
-              <a:rPr lang="en-US" sz="3500" dirty="0">
+              <a:rPr lang="en-US" sz="6665" dirty="0">
                 <a:sym typeface="+mn-ea"/>
               </a:rPr>
-              <a:t>The </a:t>
-            </a:r>
-            <a:r>
-              <a:rPr lang="en-US" sz="3500" dirty="0" err="1">
-                <a:sym typeface="+mn-ea"/>
-              </a:rPr>
-              <a:t>Cheesecoins</a:t>
-            </a:r>
-            <a:r>
-              <a:rPr lang="en-US" sz="3500" dirty="0">
-                <a:sym typeface="+mn-ea"/>
-              </a:rPr>
-              <a:t> network protocol allows full nodes (peers) to collaboratively maintain a peer-to-peer network for block and transaction exchange.</a:t>
-            </a:r>
-            <a:endParaRPr lang="en-US" sz="3500" dirty="0"/>
+              <a:t>Tracker: Maintains an updated peers list and uses a multithreading approach to communicate with connected peers.</a:t>
+            </a:r>
           </a:p>
           <a:p>
             <a:pPr>
@@ -5303,23 +6063,402 @@
               <a:buChar char="Ø"/>
             </a:pPr>
             <a:r>
-              <a:rPr lang="en-US" sz="3500" dirty="0">
+              <a:rPr lang="en-US" sz="6665" dirty="0">
                 <a:sym typeface="+mn-ea"/>
               </a:rPr>
-              <a:t>nodes can store the entire blockchain and transactions and serve historical blocks to other nodes.</a:t>
-            </a:r>
-            <a:endParaRPr lang="en-US" sz="3500" dirty="0"/>
+              <a:t>Peers: network of nodes generating transactions, mining blocks, saving and sharing all of these among themselves.</a:t>
+            </a:r>
           </a:p>
           <a:p>
             <a:pPr>
               <a:buFont typeface="Wingdings" panose="05000000000000000000" charset="0"/>
               <a:buChar char="Ø"/>
             </a:pPr>
-            <a:endParaRPr lang="en-US" sz="3500" dirty="0"/>
+            <a:r>
+              <a:rPr lang="en-US" sz="6665" dirty="0" err="1">
+                <a:sym typeface="+mn-ea"/>
+              </a:rPr>
+              <a:t>Cheesechain</a:t>
+            </a:r>
+            <a:r>
+              <a:rPr lang="en-US" sz="6665" dirty="0">
+                <a:sym typeface="+mn-ea"/>
+              </a:rPr>
+              <a:t>: growing list of records.</a:t>
+            </a:r>
+          </a:p>
+          <a:p>
+            <a:pPr>
+              <a:buFont typeface="Wingdings" panose="05000000000000000000" charset="0"/>
+              <a:buChar char="Ø"/>
+            </a:pPr>
+            <a:endParaRPr lang="en-US" sz="6665" dirty="0"/>
+          </a:p>
+          <a:p>
+            <a:pPr>
+              <a:buFont typeface="Wingdings" panose="05000000000000000000" charset="0"/>
+              <a:buChar char="Ø"/>
+            </a:pPr>
+            <a:endParaRPr lang="en-US" dirty="0"/>
+          </a:p>
+          <a:p>
+            <a:pPr>
+              <a:buFont typeface="Wingdings" panose="05000000000000000000" charset="0"/>
+              <a:buChar char="Ø"/>
+            </a:pPr>
+            <a:endParaRPr lang="en-US" dirty="0">
+              <a:sym typeface="+mn-ea"/>
+            </a:endParaRPr>
+          </a:p>
+          <a:p>
+            <a:pPr>
+              <a:buFont typeface="Wingdings" panose="05000000000000000000" charset="0"/>
+              <a:buChar char="Ø"/>
+            </a:pPr>
+            <a:endParaRPr lang="en-US" dirty="0"/>
+          </a:p>
+          <a:p>
+            <a:endParaRPr lang="en-US" dirty="0"/>
           </a:p>
         </p:txBody>
       </p:sp>
     </p:spTree>
+    <p:extLst>
+      <p:ext uri="{BB962C8B-B14F-4D97-AF65-F5344CB8AC3E}">
+        <p14:creationId xmlns:p14="http://schemas.microsoft.com/office/powerpoint/2010/main" val="1988768595"/>
+      </p:ext>
+    </p:extLst>
+  </p:cSld>
+  <p:clrMapOvr>
+    <a:masterClrMapping/>
+  </p:clrMapOvr>
+</p:sld>
+</file>
+
+<file path=ppt/slides/slide30.xml><?xml version="1.0" encoding="utf-8"?>
+<p:sld xmlns:a="http://schemas.openxmlformats.org/drawingml/2006/main" xmlns:r="http://schemas.openxmlformats.org/officeDocument/2006/relationships" xmlns:p="http://schemas.openxmlformats.org/presentationml/2006/main">
+  <p:cSld>
+    <p:spTree>
+      <p:nvGrpSpPr>
+        <p:cNvPr id="1" name=""/>
+        <p:cNvGrpSpPr/>
+        <p:nvPr/>
+      </p:nvGrpSpPr>
+      <p:grpSpPr>
+        <a:xfrm>
+          <a:off x="0" y="0"/>
+          <a:ext cx="0" cy="0"/>
+          <a:chOff x="0" y="0"/>
+          <a:chExt cx="0" cy="0"/>
+        </a:xfrm>
+      </p:grpSpPr>
+      <p:sp>
+        <p:nvSpPr>
+          <p:cNvPr id="2" name="Title 1"/>
+          <p:cNvSpPr>
+            <a:spLocks noGrp="1"/>
+          </p:cNvSpPr>
+          <p:nvPr>
+            <p:ph type="title"/>
+          </p:nvPr>
+        </p:nvSpPr>
+        <p:spPr>
+          <a:xfrm>
+            <a:off x="609600" y="158750"/>
+            <a:ext cx="10972800" cy="984885"/>
+          </a:xfrm>
+        </p:spPr>
+        <p:txBody>
+          <a:bodyPr>
+            <a:normAutofit/>
+          </a:bodyPr>
+          <a:lstStyle/>
+          <a:p>
+            <a:r>
+              <a:rPr lang="en-US" sz="4400" b="1" dirty="0">
+                <a:sym typeface="+mn-ea"/>
+              </a:rPr>
+              <a:t>Retrospectives - Issues</a:t>
+            </a:r>
+            <a:endParaRPr lang="en-US" sz="4400" b="1" dirty="0"/>
+          </a:p>
+        </p:txBody>
+      </p:sp>
+      <p:sp>
+        <p:nvSpPr>
+          <p:cNvPr id="3" name="Content Placeholder 2"/>
+          <p:cNvSpPr>
+            <a:spLocks noGrp="1"/>
+          </p:cNvSpPr>
+          <p:nvPr>
+            <p:ph idx="1"/>
+          </p:nvPr>
+        </p:nvSpPr>
+        <p:spPr>
+          <a:xfrm>
+            <a:off x="609600" y="1688122"/>
+            <a:ext cx="10972800" cy="4439627"/>
+          </a:xfrm>
+        </p:spPr>
+        <p:txBody>
+          <a:bodyPr>
+            <a:normAutofit fontScale="97500"/>
+          </a:bodyPr>
+          <a:lstStyle/>
+          <a:p>
+            <a:pPr>
+              <a:buFont typeface="Wingdings" panose="05000000000000000000" charset="0"/>
+              <a:buChar char="Ø"/>
+            </a:pPr>
+            <a:r>
+              <a:rPr lang="en-US" sz="3300" dirty="0"/>
+              <a:t>Initial design and implementation was challenging</a:t>
+            </a:r>
+          </a:p>
+          <a:p>
+            <a:pPr>
+              <a:buFont typeface="Wingdings" panose="05000000000000000000" charset="0"/>
+              <a:buChar char="Ø"/>
+            </a:pPr>
+            <a:r>
+              <a:rPr lang="en-US" sz="3300" dirty="0"/>
+              <a:t>Some high level exceptions were not handled (time factor)</a:t>
+            </a:r>
+          </a:p>
+          <a:p>
+            <a:pPr>
+              <a:buFont typeface="Wingdings" panose="05000000000000000000" charset="0"/>
+              <a:buChar char="Ø"/>
+            </a:pPr>
+            <a:r>
+              <a:rPr lang="en-US" sz="3300" dirty="0"/>
+              <a:t>Different level of skillset among team members</a:t>
+            </a:r>
+          </a:p>
+          <a:p>
+            <a:pPr>
+              <a:buFont typeface="Wingdings" panose="05000000000000000000" charset="0"/>
+              <a:buChar char="Ø"/>
+            </a:pPr>
+            <a:r>
+              <a:rPr lang="en-US" sz="3300" dirty="0"/>
+              <a:t>Different levels of computing power in different computers in testing (affecting turnaround time)</a:t>
+            </a:r>
+          </a:p>
+          <a:p>
+            <a:endParaRPr lang="en-US" sz="3000" dirty="0"/>
+          </a:p>
+          <a:p>
+            <a:endParaRPr lang="en-US" sz="3000" dirty="0"/>
+          </a:p>
+          <a:p>
+            <a:endParaRPr lang="en-US" sz="3000" dirty="0"/>
+          </a:p>
+          <a:p>
+            <a:endParaRPr lang="en-US" sz="3000" dirty="0"/>
+          </a:p>
+        </p:txBody>
+      </p:sp>
+    </p:spTree>
+    <p:extLst>
+      <p:ext uri="{BB962C8B-B14F-4D97-AF65-F5344CB8AC3E}">
+        <p14:creationId xmlns:p14="http://schemas.microsoft.com/office/powerpoint/2010/main" val="3597836024"/>
+      </p:ext>
+    </p:extLst>
+  </p:cSld>
+  <p:clrMapOvr>
+    <a:masterClrMapping/>
+  </p:clrMapOvr>
+</p:sld>
+</file>
+
+<file path=ppt/slides/slide31.xml><?xml version="1.0" encoding="utf-8"?>
+<p:sld xmlns:a="http://schemas.openxmlformats.org/drawingml/2006/main" xmlns:r="http://schemas.openxmlformats.org/officeDocument/2006/relationships" xmlns:p="http://schemas.openxmlformats.org/presentationml/2006/main">
+  <p:cSld>
+    <p:spTree>
+      <p:nvGrpSpPr>
+        <p:cNvPr id="1" name=""/>
+        <p:cNvGrpSpPr/>
+        <p:nvPr/>
+      </p:nvGrpSpPr>
+      <p:grpSpPr>
+        <a:xfrm>
+          <a:off x="0" y="0"/>
+          <a:ext cx="0" cy="0"/>
+          <a:chOff x="0" y="0"/>
+          <a:chExt cx="0" cy="0"/>
+        </a:xfrm>
+      </p:grpSpPr>
+      <p:sp>
+        <p:nvSpPr>
+          <p:cNvPr id="2" name="Title 1"/>
+          <p:cNvSpPr>
+            <a:spLocks noGrp="1"/>
+          </p:cNvSpPr>
+          <p:nvPr>
+            <p:ph type="title"/>
+          </p:nvPr>
+        </p:nvSpPr>
+        <p:spPr>
+          <a:xfrm>
+            <a:off x="609600" y="158750"/>
+            <a:ext cx="10972800" cy="984885"/>
+          </a:xfrm>
+        </p:spPr>
+        <p:txBody>
+          <a:bodyPr>
+            <a:normAutofit/>
+          </a:bodyPr>
+          <a:lstStyle/>
+          <a:p>
+            <a:r>
+              <a:rPr lang="en-US" sz="4400" b="1" dirty="0">
+                <a:sym typeface="+mn-ea"/>
+              </a:rPr>
+              <a:t>Retrospectives – Lessons/Takeaways</a:t>
+            </a:r>
+            <a:endParaRPr lang="en-US" sz="4400" b="1" dirty="0"/>
+          </a:p>
+        </p:txBody>
+      </p:sp>
+      <p:sp>
+        <p:nvSpPr>
+          <p:cNvPr id="3" name="Content Placeholder 2"/>
+          <p:cNvSpPr>
+            <a:spLocks noGrp="1"/>
+          </p:cNvSpPr>
+          <p:nvPr>
+            <p:ph idx="1"/>
+          </p:nvPr>
+        </p:nvSpPr>
+        <p:spPr>
+          <a:xfrm>
+            <a:off x="609600" y="1688122"/>
+            <a:ext cx="10972800" cy="4439627"/>
+          </a:xfrm>
+        </p:spPr>
+        <p:txBody>
+          <a:bodyPr>
+            <a:normAutofit fontScale="97500"/>
+          </a:bodyPr>
+          <a:lstStyle/>
+          <a:p>
+            <a:pPr>
+              <a:buFont typeface="Wingdings" panose="05000000000000000000" charset="0"/>
+              <a:buChar char="Ø"/>
+            </a:pPr>
+            <a:r>
+              <a:rPr lang="en-US" sz="3300" dirty="0"/>
+              <a:t>Early documentation is as important as implementation</a:t>
+            </a:r>
+          </a:p>
+          <a:p>
+            <a:pPr>
+              <a:buFont typeface="Wingdings" panose="05000000000000000000" charset="0"/>
+              <a:buChar char="Ø"/>
+            </a:pPr>
+            <a:r>
+              <a:rPr lang="en-US" sz="3300" dirty="0"/>
+              <a:t>Project management tools such as Trello could be beneficial</a:t>
+            </a:r>
+          </a:p>
+          <a:p>
+            <a:pPr>
+              <a:buFont typeface="Wingdings" panose="05000000000000000000" charset="0"/>
+              <a:buChar char="Ø"/>
+            </a:pPr>
+            <a:r>
+              <a:rPr lang="en-US" sz="3300" dirty="0"/>
+              <a:t>Always seek help when necessary</a:t>
+            </a:r>
+          </a:p>
+          <a:p>
+            <a:pPr marL="0" indent="0">
+              <a:buNone/>
+            </a:pPr>
+            <a:endParaRPr lang="en-US" sz="3000" dirty="0"/>
+          </a:p>
+          <a:p>
+            <a:endParaRPr lang="en-US" sz="3000" dirty="0"/>
+          </a:p>
+          <a:p>
+            <a:endParaRPr lang="en-US" sz="3000" dirty="0"/>
+          </a:p>
+          <a:p>
+            <a:endParaRPr lang="en-US" sz="3000" dirty="0"/>
+          </a:p>
+        </p:txBody>
+      </p:sp>
+    </p:spTree>
+    <p:extLst>
+      <p:ext uri="{BB962C8B-B14F-4D97-AF65-F5344CB8AC3E}">
+        <p14:creationId xmlns:p14="http://schemas.microsoft.com/office/powerpoint/2010/main" val="2655556171"/>
+      </p:ext>
+    </p:extLst>
+  </p:cSld>
+  <p:clrMapOvr>
+    <a:masterClrMapping/>
+  </p:clrMapOvr>
+</p:sld>
+</file>
+
+<file path=ppt/slides/slide32.xml><?xml version="1.0" encoding="utf-8"?>
+<p:sld xmlns:a="http://schemas.openxmlformats.org/drawingml/2006/main" xmlns:r="http://schemas.openxmlformats.org/officeDocument/2006/relationships" xmlns:p="http://schemas.openxmlformats.org/presentationml/2006/main">
+  <p:cSld>
+    <p:spTree>
+      <p:nvGrpSpPr>
+        <p:cNvPr id="1" name=""/>
+        <p:cNvGrpSpPr/>
+        <p:nvPr/>
+      </p:nvGrpSpPr>
+      <p:grpSpPr>
+        <a:xfrm>
+          <a:off x="0" y="0"/>
+          <a:ext cx="0" cy="0"/>
+          <a:chOff x="0" y="0"/>
+          <a:chExt cx="0" cy="0"/>
+        </a:xfrm>
+      </p:grpSpPr>
+      <p:sp>
+        <p:nvSpPr>
+          <p:cNvPr id="3" name="Content Placeholder 2"/>
+          <p:cNvSpPr>
+            <a:spLocks noGrp="1"/>
+          </p:cNvSpPr>
+          <p:nvPr>
+            <p:ph idx="1"/>
+          </p:nvPr>
+        </p:nvSpPr>
+        <p:spPr/>
+        <p:txBody>
+          <a:bodyPr/>
+          <a:lstStyle/>
+          <a:p>
+            <a:endParaRPr lang="en-US"/>
+          </a:p>
+          <a:p>
+            <a:endParaRPr lang="en-US"/>
+          </a:p>
+          <a:p>
+            <a:endParaRPr lang="en-US"/>
+          </a:p>
+          <a:p>
+            <a:pPr marL="0" indent="0">
+              <a:buNone/>
+            </a:pPr>
+            <a:r>
+              <a:rPr lang="en-US"/>
+              <a:t>                                                  THANK YOU!</a:t>
+            </a:r>
+          </a:p>
+        </p:txBody>
+      </p:sp>
+    </p:spTree>
+    <p:extLst>
+      <p:ext uri="{BB962C8B-B14F-4D97-AF65-F5344CB8AC3E}">
+        <p14:creationId xmlns:p14="http://schemas.microsoft.com/office/powerpoint/2010/main" val="1045168698"/>
+      </p:ext>
+    </p:extLst>
   </p:cSld>
   <p:clrMapOvr>
     <a:masterClrMapping/>
@@ -5356,18 +6495,23 @@
         </p:nvSpPr>
         <p:spPr>
           <a:xfrm>
-            <a:off x="609600" y="190500"/>
-            <a:ext cx="10972800" cy="1144270"/>
-          </a:xfrm>
-        </p:spPr>
-        <p:txBody>
-          <a:bodyPr/>
-          <a:lstStyle/>
-          <a:p>
-            <a:r>
-              <a:rPr lang="en-US" sz="4400" b="1"/>
-              <a:t>Objective Of The Project:</a:t>
-            </a:r>
+            <a:off x="609600" y="158750"/>
+            <a:ext cx="10972800" cy="984885"/>
+          </a:xfrm>
+        </p:spPr>
+        <p:txBody>
+          <a:bodyPr>
+            <a:normAutofit/>
+          </a:bodyPr>
+          <a:lstStyle/>
+          <a:p>
+            <a:r>
+              <a:rPr lang="en-US" sz="4400" b="1" dirty="0" err="1">
+                <a:sym typeface="+mn-ea"/>
+              </a:rPr>
+              <a:t>Cheesechain</a:t>
+            </a:r>
+            <a:endParaRPr lang="en-US" sz="4400" b="1" dirty="0"/>
           </a:p>
         </p:txBody>
       </p:sp>
@@ -5384,7 +6528,7 @@
         <p:spPr/>
         <p:txBody>
           <a:bodyPr>
-            <a:normAutofit fontScale="57500" lnSpcReduction="20000"/>
+            <a:normAutofit fontScale="97500"/>
           </a:bodyPr>
           <a:lstStyle/>
           <a:p>
@@ -5392,20 +6536,9 @@
               <a:buFont typeface="Wingdings" panose="05000000000000000000" charset="0"/>
               <a:buChar char="Ø"/>
             </a:pPr>
-            <a:endParaRPr lang="en-US" dirty="0">
-              <a:sym typeface="+mn-ea"/>
-            </a:endParaRPr>
-          </a:p>
-          <a:p>
-            <a:pPr marL="0" indent="0">
-              <a:buFont typeface="Wingdings" panose="05000000000000000000" charset="0"/>
-              <a:buNone/>
-            </a:pPr>
-            <a:r>
-              <a:rPr lang="en-US" sz="6665" dirty="0">
-                <a:sym typeface="+mn-ea"/>
-              </a:rPr>
-              <a:t>Our goal was to implement a blockchain peer to peer system inspired by Bitcoin.</a:t>
+            <a:r>
+              <a:rPr lang="en-US" sz="3000" dirty="0"/>
+              <a:t>Implemented in python (Good performance, large ecosystem and resources)</a:t>
             </a:r>
           </a:p>
           <a:p>
@@ -5414,10 +6547,8 @@
               <a:buChar char="Ø"/>
             </a:pPr>
             <a:r>
-              <a:rPr lang="en-US" sz="6665" dirty="0">
-                <a:sym typeface="+mn-ea"/>
-              </a:rPr>
-              <a:t>Tracker: Maintains an updated peers list and uses a multithreading approach to communicate with connected peers.</a:t>
+              <a:rPr lang="en-US" sz="3000" dirty="0"/>
+              <a:t>Adopted MVC Architecture</a:t>
             </a:r>
           </a:p>
           <a:p>
@@ -5426,10 +6557,8 @@
               <a:buChar char="Ø"/>
             </a:pPr>
             <a:r>
-              <a:rPr lang="en-US" sz="6665" dirty="0">
-                <a:sym typeface="+mn-ea"/>
-              </a:rPr>
-              <a:t>Peers: network of nodes generating transactions, mining blocks, saving and sharing all of these among themselves.</a:t>
+              <a:rPr lang="en-US" sz="3000" dirty="0"/>
+              <a:t>Used Flask server for handling our controllers</a:t>
             </a:r>
           </a:p>
           <a:p>
@@ -5438,16 +6567,8 @@
               <a:buChar char="Ø"/>
             </a:pPr>
             <a:r>
-              <a:rPr lang="en-US" sz="6665" dirty="0" err="1">
-                <a:sym typeface="+mn-ea"/>
-              </a:rPr>
-              <a:t>Cheesechain</a:t>
-            </a:r>
-            <a:r>
-              <a:rPr lang="en-US" sz="6665" dirty="0">
-                <a:sym typeface="+mn-ea"/>
-              </a:rPr>
-              <a:t>: growing list of records.</a:t>
+              <a:rPr lang="en-US" sz="3000" dirty="0"/>
+              <a:t>Served A GUI via our Peer node (Flask server) for easy visualization and testing</a:t>
             </a:r>
           </a:p>
           <a:p>
@@ -5455,33 +6576,30 @@
               <a:buFont typeface="Wingdings" panose="05000000000000000000" charset="0"/>
               <a:buChar char="Ø"/>
             </a:pPr>
-            <a:endParaRPr lang="en-US" sz="6665" dirty="0"/>
-          </a:p>
-          <a:p>
-            <a:pPr>
-              <a:buFont typeface="Wingdings" panose="05000000000000000000" charset="0"/>
-              <a:buChar char="Ø"/>
-            </a:pPr>
-            <a:endParaRPr lang="en-US" dirty="0"/>
-          </a:p>
-          <a:p>
-            <a:pPr>
-              <a:buFont typeface="Wingdings" panose="05000000000000000000" charset="0"/>
-              <a:buChar char="Ø"/>
-            </a:pPr>
-            <a:endParaRPr lang="en-US" dirty="0">
-              <a:sym typeface="+mn-ea"/>
-            </a:endParaRPr>
-          </a:p>
-          <a:p>
-            <a:pPr>
-              <a:buFont typeface="Wingdings" panose="05000000000000000000" charset="0"/>
-              <a:buChar char="Ø"/>
-            </a:pPr>
-            <a:endParaRPr lang="en-US" dirty="0"/>
-          </a:p>
-          <a:p>
-            <a:endParaRPr lang="en-US" dirty="0"/>
+            <a:r>
+              <a:rPr lang="en-US" sz="3000" dirty="0"/>
+              <a:t>Adopted OOP principles for code readability, </a:t>
+            </a:r>
+            <a:r>
+              <a:rPr lang="en-US" sz="3000" dirty="0" err="1"/>
+              <a:t>scalabilty</a:t>
+            </a:r>
+            <a:r>
+              <a:rPr lang="en-US" sz="3000" dirty="0"/>
+              <a:t> and abstraction</a:t>
+            </a:r>
+          </a:p>
+          <a:p>
+            <a:endParaRPr lang="en-US" sz="3000" dirty="0"/>
+          </a:p>
+          <a:p>
+            <a:endParaRPr lang="en-US" sz="3000" dirty="0"/>
+          </a:p>
+          <a:p>
+            <a:endParaRPr lang="en-US" sz="3000" dirty="0"/>
+          </a:p>
+          <a:p>
+            <a:endParaRPr lang="en-US" sz="3000" dirty="0"/>
           </a:p>
         </p:txBody>
       </p:sp>
@@ -5522,52 +6640,130 @@
         </p:nvSpPr>
         <p:spPr>
           <a:xfrm>
-            <a:off x="293077" y="0"/>
-            <a:ext cx="10972800" cy="824865"/>
+            <a:off x="609600" y="349250"/>
+            <a:ext cx="10972800" cy="1260475"/>
           </a:xfrm>
         </p:spPr>
         <p:txBody>
           <a:bodyPr>
-            <a:normAutofit/>
+            <a:normAutofit fontScale="90000"/>
           </a:bodyPr>
           <a:lstStyle/>
           <a:p>
             <a:r>
-              <a:rPr lang="en-US" sz="4400" dirty="0">
+              <a:rPr lang="en-US" sz="4890" b="1" dirty="0">
                 <a:sym typeface="+mn-ea"/>
               </a:rPr>
-              <a:t>Tracker</a:t>
-            </a:r>
-            <a:endParaRPr lang="en-US" sz="4400" dirty="0"/>
-          </a:p>
-        </p:txBody>
-      </p:sp>
-      <p:pic>
-        <p:nvPicPr>
-          <p:cNvPr id="4" name="Content Placeholder 3" descr="Screenshot 2022-03-16 at 12.08.30 (1)"/>
-          <p:cNvPicPr>
-            <a:picLocks noGrp="1" noChangeAspect="1"/>
-          </p:cNvPicPr>
+              <a:t>Peer to Peer networking system</a:t>
+            </a:r>
+            <a:br>
+              <a:rPr lang="en-US" dirty="0"/>
+            </a:br>
+            <a:endParaRPr lang="en-US" dirty="0"/>
+          </a:p>
+        </p:txBody>
+      </p:sp>
+      <p:sp>
+        <p:nvSpPr>
+          <p:cNvPr id="6" name="Content Placeholder 2">
+            <a:extLst>
+              <a:ext uri="{FF2B5EF4-FFF2-40B4-BE49-F238E27FC236}">
+                <a16:creationId xmlns:a16="http://schemas.microsoft.com/office/drawing/2014/main" id="{24CAE1CE-D94C-4632-B4CE-C92D0E25AE3F}"/>
+              </a:ext>
+            </a:extLst>
+          </p:cNvPr>
+          <p:cNvSpPr>
+            <a:spLocks noGrp="1"/>
+          </p:cNvSpPr>
           <p:nvPr>
             <p:ph idx="1"/>
           </p:nvPr>
-        </p:nvPicPr>
-        <p:blipFill>
-          <a:blip r:embed="rId2"/>
-          <a:stretch>
-            <a:fillRect/>
-          </a:stretch>
-        </p:blipFill>
-        <p:spPr>
-          <a:xfrm>
-            <a:off x="389829" y="975590"/>
-            <a:ext cx="11623357" cy="5882410"/>
-          </a:xfrm>
-          <a:prstGeom prst="rect">
-            <a:avLst/>
-          </a:prstGeom>
-        </p:spPr>
-      </p:pic>
+        </p:nvSpPr>
+        <p:spPr>
+          <a:xfrm>
+            <a:off x="609600" y="1394557"/>
+            <a:ext cx="10972800" cy="4953000"/>
+          </a:xfrm>
+        </p:spPr>
+        <p:txBody>
+          <a:bodyPr>
+            <a:normAutofit fontScale="97500"/>
+          </a:bodyPr>
+          <a:lstStyle/>
+          <a:p>
+            <a:pPr>
+              <a:buFont typeface="Wingdings" panose="05000000000000000000" charset="0"/>
+              <a:buChar char="Ø"/>
+            </a:pPr>
+            <a:r>
+              <a:rPr lang="en-US" sz="3000" dirty="0"/>
+              <a:t>Implemented in python (Good performance, large ecosystem and resources)</a:t>
+            </a:r>
+          </a:p>
+          <a:p>
+            <a:pPr>
+              <a:buFont typeface="Wingdings" panose="05000000000000000000" charset="0"/>
+              <a:buChar char="Ø"/>
+            </a:pPr>
+            <a:r>
+              <a:rPr lang="en-US" sz="3000" dirty="0"/>
+              <a:t>Adopted MVC Architecture</a:t>
+            </a:r>
+          </a:p>
+          <a:p>
+            <a:pPr>
+              <a:buFont typeface="Wingdings" panose="05000000000000000000" charset="0"/>
+              <a:buChar char="Ø"/>
+            </a:pPr>
+            <a:r>
+              <a:rPr lang="en-US" sz="3000" dirty="0"/>
+              <a:t>Implemented a protocol class for requests and response definition and validation</a:t>
+            </a:r>
+          </a:p>
+          <a:p>
+            <a:pPr>
+              <a:buFont typeface="Wingdings" panose="05000000000000000000" charset="0"/>
+              <a:buChar char="Ø"/>
+            </a:pPr>
+            <a:r>
+              <a:rPr lang="en-US" sz="3000" dirty="0"/>
+              <a:t>Tracker class handles interactions between tracker and peers</a:t>
+            </a:r>
+          </a:p>
+          <a:p>
+            <a:pPr>
+              <a:buFont typeface="Wingdings" panose="05000000000000000000" charset="0"/>
+              <a:buChar char="Ø"/>
+            </a:pPr>
+            <a:r>
+              <a:rPr lang="en-US" sz="3000" dirty="0"/>
+              <a:t>Peer class handles interactions between peers and between tracker and peers.</a:t>
+            </a:r>
+          </a:p>
+          <a:p>
+            <a:pPr>
+              <a:buFont typeface="Wingdings" panose="05000000000000000000" charset="0"/>
+              <a:buChar char="Ø"/>
+            </a:pPr>
+            <a:r>
+              <a:rPr lang="en-US" sz="3000" dirty="0"/>
+              <a:t>Build on the principles of OOP</a:t>
+            </a:r>
+          </a:p>
+          <a:p>
+            <a:endParaRPr lang="en-US" sz="3000" dirty="0"/>
+          </a:p>
+          <a:p>
+            <a:endParaRPr lang="en-US" sz="3000" dirty="0"/>
+          </a:p>
+          <a:p>
+            <a:endParaRPr lang="en-US" sz="3000" dirty="0"/>
+          </a:p>
+          <a:p>
+            <a:endParaRPr lang="en-US" sz="3000" dirty="0"/>
+          </a:p>
+        </p:txBody>
+      </p:sp>
     </p:spTree>
   </p:cSld>
   <p:clrMapOvr>
@@ -5605,24 +6801,29 @@
         </p:nvSpPr>
         <p:spPr>
           <a:xfrm>
-            <a:off x="609600" y="190500"/>
-            <a:ext cx="10972800" cy="889000"/>
-          </a:xfrm>
-        </p:spPr>
-        <p:txBody>
-          <a:bodyPr/>
-          <a:lstStyle/>
-          <a:p>
-            <a:r>
-              <a:rPr lang="en-US" sz="4400" dirty="0"/>
-              <a:t>Peer (GUI Server)</a:t>
-            </a:r>
+            <a:off x="293077" y="0"/>
+            <a:ext cx="10972800" cy="824865"/>
+          </a:xfrm>
+        </p:spPr>
+        <p:txBody>
+          <a:bodyPr>
+            <a:normAutofit/>
+          </a:bodyPr>
+          <a:lstStyle/>
+          <a:p>
+            <a:r>
+              <a:rPr lang="en-US" sz="4400" dirty="0">
+                <a:sym typeface="+mn-ea"/>
+              </a:rPr>
+              <a:t>Tracker</a:t>
+            </a:r>
+            <a:endParaRPr lang="en-US" sz="4400" dirty="0"/>
           </a:p>
         </p:txBody>
       </p:sp>
       <p:pic>
         <p:nvPicPr>
-          <p:cNvPr id="4" name="Content Placeholder 3" descr="NodeStart"/>
+          <p:cNvPr id="4" name="Content Placeholder 3" descr="Screenshot 2022-03-16 at 12.08.30 (1)"/>
           <p:cNvPicPr>
             <a:picLocks noGrp="1" noChangeAspect="1"/>
           </p:cNvPicPr>
@@ -5638,8 +6839,8 @@
         </p:blipFill>
         <p:spPr>
           <a:xfrm>
-            <a:off x="838200" y="1691640"/>
-            <a:ext cx="10402570" cy="4312920"/>
+            <a:off x="389829" y="975590"/>
+            <a:ext cx="11623357" cy="5882410"/>
           </a:xfrm>
           <a:prstGeom prst="rect">
             <a:avLst/>
@@ -5683,8 +6884,8 @@
         </p:nvSpPr>
         <p:spPr>
           <a:xfrm>
-            <a:off x="301870" y="196362"/>
-            <a:ext cx="10972800" cy="582613"/>
+            <a:off x="609600" y="190500"/>
+            <a:ext cx="10972800" cy="889000"/>
           </a:xfrm>
         </p:spPr>
         <p:txBody>
@@ -5692,15 +6893,15 @@
           <a:lstStyle/>
           <a:p>
             <a:r>
-              <a:rPr lang="en-US" dirty="0"/>
-              <a:t>Tracker (Logs)</a:t>
+              <a:rPr lang="en-US" sz="4400" dirty="0"/>
+              <a:t>Peer (GUI Server)</a:t>
             </a:r>
           </a:p>
         </p:txBody>
       </p:sp>
       <p:pic>
         <p:nvPicPr>
-          <p:cNvPr id="4" name="Content Placeholder 3" descr="Screenshot 2022-03-16 at 12.08.40 (1)"/>
+          <p:cNvPr id="4" name="Content Placeholder 3" descr="NodeStart"/>
           <p:cNvPicPr>
             <a:picLocks noGrp="1" noChangeAspect="1"/>
           </p:cNvPicPr>
@@ -5716,8 +6917,8 @@
         </p:blipFill>
         <p:spPr>
           <a:xfrm>
-            <a:off x="376191" y="1347103"/>
-            <a:ext cx="11700198" cy="5320397"/>
+            <a:off x="838200" y="1691640"/>
+            <a:ext cx="10402570" cy="4312920"/>
           </a:xfrm>
           <a:prstGeom prst="rect">
             <a:avLst/>
@@ -5761,7 +6962,7 @@
         </p:nvSpPr>
         <p:spPr>
           <a:xfrm>
-            <a:off x="249115" y="309037"/>
+            <a:off x="301870" y="196362"/>
             <a:ext cx="10972800" cy="582613"/>
           </a:xfrm>
         </p:spPr>
@@ -5770,18 +6971,15 @@
           <a:lstStyle/>
           <a:p>
             <a:r>
-              <a:rPr lang="en-US" sz="4400" dirty="0">
-                <a:sym typeface="+mn-ea"/>
-              </a:rPr>
-              <a:t>Peer Console:</a:t>
-            </a:r>
-            <a:endParaRPr lang="en-US" sz="4400" dirty="0"/>
+              <a:rPr lang="en-US" dirty="0"/>
+              <a:t>Tracker (Logs)</a:t>
+            </a:r>
           </a:p>
         </p:txBody>
       </p:sp>
       <p:pic>
         <p:nvPicPr>
-          <p:cNvPr id="4" name="Content Placeholder 3" descr="com_1"/>
+          <p:cNvPr id="4" name="Content Placeholder 3" descr="Screenshot 2022-03-16 at 12.08.40 (1)"/>
           <p:cNvPicPr>
             <a:picLocks noGrp="1" noChangeAspect="1"/>
           </p:cNvPicPr>
@@ -5797,40 +6995,14 @@
         </p:blipFill>
         <p:spPr>
           <a:xfrm>
-            <a:off x="341754" y="1116013"/>
-            <a:ext cx="10415294" cy="5198537"/>
+            <a:off x="376191" y="1347103"/>
+            <a:ext cx="11700198" cy="5320397"/>
           </a:xfrm>
           <a:prstGeom prst="rect">
             <a:avLst/>
           </a:prstGeom>
         </p:spPr>
       </p:pic>
-      <p:sp>
-        <p:nvSpPr>
-          <p:cNvPr id="5" name="Text Box 4"/>
-          <p:cNvSpPr txBox="1"/>
-          <p:nvPr/>
-        </p:nvSpPr>
-        <p:spPr>
-          <a:xfrm>
-            <a:off x="3692525" y="533400"/>
-            <a:ext cx="309880" cy="368300"/>
-          </a:xfrm>
-          <a:prstGeom prst="rect">
-            <a:avLst/>
-          </a:prstGeom>
-          <a:noFill/>
-        </p:spPr>
-        <p:txBody>
-          <a:bodyPr wrap="none" rtlCol="0">
-            <a:spAutoFit/>
-          </a:bodyPr>
-          <a:lstStyle/>
-          <a:p>
-            <a:endParaRPr lang="en-US"/>
-          </a:p>
-        </p:txBody>
-      </p:sp>
     </p:spTree>
   </p:cSld>
   <p:clrMapOvr>
@@ -5868,8 +7040,8 @@
         </p:nvSpPr>
         <p:spPr>
           <a:xfrm>
-            <a:off x="609600" y="190500"/>
-            <a:ext cx="10972800" cy="986155"/>
+            <a:off x="249115" y="309037"/>
+            <a:ext cx="10972800" cy="582613"/>
           </a:xfrm>
         </p:spPr>
         <p:txBody>
@@ -5877,15 +7049,18 @@
           <a:lstStyle/>
           <a:p>
             <a:r>
-              <a:rPr lang="en-US" sz="4000" dirty="0"/>
-              <a:t>Peer (logs: Connecting to other peers)</a:t>
-            </a:r>
+              <a:rPr lang="en-US" sz="4400" dirty="0">
+                <a:sym typeface="+mn-ea"/>
+              </a:rPr>
+              <a:t>Peer Console:</a:t>
+            </a:r>
+            <a:endParaRPr lang="en-US" sz="4400" dirty="0"/>
           </a:p>
         </p:txBody>
       </p:sp>
       <p:pic>
         <p:nvPicPr>
-          <p:cNvPr id="6" name="Content Placeholder 5" descr="WhatsApp Image 2022-03-16 at 12.11.41 PM"/>
+          <p:cNvPr id="4" name="Content Placeholder 3" descr="com_1"/>
           <p:cNvPicPr>
             <a:picLocks noGrp="1" noChangeAspect="1"/>
           </p:cNvPicPr>
@@ -5901,14 +7076,40 @@
         </p:blipFill>
         <p:spPr>
           <a:xfrm>
-            <a:off x="838835" y="1691640"/>
-            <a:ext cx="9401810" cy="4173855"/>
+            <a:off x="341754" y="1116013"/>
+            <a:ext cx="10415294" cy="5198537"/>
           </a:xfrm>
           <a:prstGeom prst="rect">
             <a:avLst/>
           </a:prstGeom>
         </p:spPr>
       </p:pic>
+      <p:sp>
+        <p:nvSpPr>
+          <p:cNvPr id="5" name="Text Box 4"/>
+          <p:cNvSpPr txBox="1"/>
+          <p:nvPr/>
+        </p:nvSpPr>
+        <p:spPr>
+          <a:xfrm>
+            <a:off x="3692525" y="533400"/>
+            <a:ext cx="309880" cy="368300"/>
+          </a:xfrm>
+          <a:prstGeom prst="rect">
+            <a:avLst/>
+          </a:prstGeom>
+          <a:noFill/>
+        </p:spPr>
+        <p:txBody>
+          <a:bodyPr wrap="none" rtlCol="0">
+            <a:spAutoFit/>
+          </a:bodyPr>
+          <a:lstStyle/>
+          <a:p>
+            <a:endParaRPr lang="en-US"/>
+          </a:p>
+        </p:txBody>
+      </p:sp>
     </p:spTree>
   </p:cSld>
   <p:clrMapOvr>
